--- a/Portail_ABB/EtudeTheorique/images/Figures.pptx
+++ b/Portail_ABB/EtudeTheorique/images/Figures.pptx
@@ -7,6 +7,7 @@
   <p:sldIdLst>
     <p:sldId id="256" r:id="rId2"/>
     <p:sldId id="257" r:id="rId3"/>
+    <p:sldId id="258" r:id="rId4"/>
   </p:sldIdLst>
   <p:sldSz cx="9144000" cy="6858000" type="screen4x3"/>
   <p:notesSz cx="6858000" cy="9144000"/>
@@ -289,7 +290,7 @@
           <a:p>
             <a:fld id="{AA309A6D-C09C-4548-B29A-6CF363A7E532}" type="datetimeFigureOut">
               <a:rPr lang="fr-FR" smtClean="0"/>
-              <a:t>11/11/2015</a:t>
+              <a:t>17/03/2016</a:t>
             </a:fld>
             <a:endParaRPr lang="fr-BE"/>
           </a:p>
@@ -454,7 +455,7 @@
           <a:p>
             <a:fld id="{AA309A6D-C09C-4548-B29A-6CF363A7E532}" type="datetimeFigureOut">
               <a:rPr lang="fr-FR" smtClean="0"/>
-              <a:t>11/11/2015</a:t>
+              <a:t>17/03/2016</a:t>
             </a:fld>
             <a:endParaRPr lang="fr-BE"/>
           </a:p>
@@ -629,7 +630,7 @@
           <a:p>
             <a:fld id="{AA309A6D-C09C-4548-B29A-6CF363A7E532}" type="datetimeFigureOut">
               <a:rPr lang="fr-FR" smtClean="0"/>
-              <a:t>11/11/2015</a:t>
+              <a:t>17/03/2016</a:t>
             </a:fld>
             <a:endParaRPr lang="fr-BE"/>
           </a:p>
@@ -794,7 +795,7 @@
           <a:p>
             <a:fld id="{AA309A6D-C09C-4548-B29A-6CF363A7E532}" type="datetimeFigureOut">
               <a:rPr lang="fr-FR" smtClean="0"/>
-              <a:t>11/11/2015</a:t>
+              <a:t>17/03/2016</a:t>
             </a:fld>
             <a:endParaRPr lang="fr-BE"/>
           </a:p>
@@ -1035,7 +1036,7 @@
           <a:p>
             <a:fld id="{AA309A6D-C09C-4548-B29A-6CF363A7E532}" type="datetimeFigureOut">
               <a:rPr lang="fr-FR" smtClean="0"/>
-              <a:t>11/11/2015</a:t>
+              <a:t>17/03/2016</a:t>
             </a:fld>
             <a:endParaRPr lang="fr-BE"/>
           </a:p>
@@ -1318,7 +1319,7 @@
           <a:p>
             <a:fld id="{AA309A6D-C09C-4548-B29A-6CF363A7E532}" type="datetimeFigureOut">
               <a:rPr lang="fr-FR" smtClean="0"/>
-              <a:t>11/11/2015</a:t>
+              <a:t>17/03/2016</a:t>
             </a:fld>
             <a:endParaRPr lang="fr-BE"/>
           </a:p>
@@ -1735,7 +1736,7 @@
           <a:p>
             <a:fld id="{AA309A6D-C09C-4548-B29A-6CF363A7E532}" type="datetimeFigureOut">
               <a:rPr lang="fr-FR" smtClean="0"/>
-              <a:t>11/11/2015</a:t>
+              <a:t>17/03/2016</a:t>
             </a:fld>
             <a:endParaRPr lang="fr-BE"/>
           </a:p>
@@ -1848,7 +1849,7 @@
           <a:p>
             <a:fld id="{AA309A6D-C09C-4548-B29A-6CF363A7E532}" type="datetimeFigureOut">
               <a:rPr lang="fr-FR" smtClean="0"/>
-              <a:t>11/11/2015</a:t>
+              <a:t>17/03/2016</a:t>
             </a:fld>
             <a:endParaRPr lang="fr-BE"/>
           </a:p>
@@ -1938,7 +1939,7 @@
           <a:p>
             <a:fld id="{AA309A6D-C09C-4548-B29A-6CF363A7E532}" type="datetimeFigureOut">
               <a:rPr lang="fr-FR" smtClean="0"/>
-              <a:t>11/11/2015</a:t>
+              <a:t>17/03/2016</a:t>
             </a:fld>
             <a:endParaRPr lang="fr-BE"/>
           </a:p>
@@ -2210,7 +2211,7 @@
           <a:p>
             <a:fld id="{AA309A6D-C09C-4548-B29A-6CF363A7E532}" type="datetimeFigureOut">
               <a:rPr lang="fr-FR" smtClean="0"/>
-              <a:t>11/11/2015</a:t>
+              <a:t>17/03/2016</a:t>
             </a:fld>
             <a:endParaRPr lang="fr-BE"/>
           </a:p>
@@ -2458,7 +2459,7 @@
           <a:p>
             <a:fld id="{AA309A6D-C09C-4548-B29A-6CF363A7E532}" type="datetimeFigureOut">
               <a:rPr lang="fr-FR" smtClean="0"/>
-              <a:t>11/11/2015</a:t>
+              <a:t>17/03/2016</a:t>
             </a:fld>
             <a:endParaRPr lang="fr-BE"/>
           </a:p>
@@ -2666,7 +2667,7 @@
           <a:p>
             <a:fld id="{AA309A6D-C09C-4548-B29A-6CF363A7E532}" type="datetimeFigureOut">
               <a:rPr lang="fr-FR" smtClean="0"/>
-              <a:t>11/11/2015</a:t>
+              <a:t>17/03/2016</a:t>
             </a:fld>
             <a:endParaRPr lang="fr-BE"/>
           </a:p>
@@ -3569,8 +3570,8 @@
           </a:p>
         </p:txBody>
       </p:sp>
-      <mc:AlternateContent xmlns:mc="http://schemas.openxmlformats.org/markup-compatibility/2006">
-        <mc:Choice xmlns:a14="http://schemas.microsoft.com/office/drawing/2010/main" Requires="a14">
+      <mc:AlternateContent xmlns:mc="http://schemas.openxmlformats.org/markup-compatibility/2006" xmlns:a14="http://schemas.microsoft.com/office/drawing/2010/main">
+        <mc:Choice Requires="a14">
           <p:sp>
             <p:nvSpPr>
               <p:cNvPr id="37" name="ZoneTexte 36"/>
@@ -3593,6 +3594,7 @@
               </a:bodyPr>
               <a:lstStyle/>
               <a:p>
+                <a:pPr/>
                 <a14:m>
                   <m:oMathPara xmlns:m="http://schemas.openxmlformats.org/officeDocument/2006/math">
                     <m:oMathParaPr>
@@ -3613,7 +3615,7 @@
             </p:txBody>
           </p:sp>
         </mc:Choice>
-        <mc:Fallback>
+        <mc:Fallback xmlns="">
           <p:sp>
             <p:nvSpPr>
               <p:cNvPr id="37" name="ZoneTexte 36"/>
@@ -3652,8 +3654,8 @@
           </p:sp>
         </mc:Fallback>
       </mc:AlternateContent>
-      <mc:AlternateContent xmlns:mc="http://schemas.openxmlformats.org/markup-compatibility/2006">
-        <mc:Choice xmlns:a14="http://schemas.microsoft.com/office/drawing/2010/main" Requires="a14">
+      <mc:AlternateContent xmlns:mc="http://schemas.openxmlformats.org/markup-compatibility/2006" xmlns:a14="http://schemas.microsoft.com/office/drawing/2010/main">
+        <mc:Choice Requires="a14">
           <p:sp>
             <p:nvSpPr>
               <p:cNvPr id="39" name="ZoneTexte 38"/>
@@ -3676,6 +3678,7 @@
               </a:bodyPr>
               <a:lstStyle/>
               <a:p>
+                <a:pPr/>
                 <a14:m>
                   <m:oMathPara xmlns:m="http://schemas.openxmlformats.org/officeDocument/2006/math">
                     <m:oMathParaPr>
@@ -3696,7 +3699,7 @@
             </p:txBody>
           </p:sp>
         </mc:Choice>
-        <mc:Fallback>
+        <mc:Fallback xmlns="">
           <p:sp>
             <p:nvSpPr>
               <p:cNvPr id="39" name="ZoneTexte 38"/>
@@ -3735,8 +3738,8 @@
           </p:sp>
         </mc:Fallback>
       </mc:AlternateContent>
-      <mc:AlternateContent xmlns:mc="http://schemas.openxmlformats.org/markup-compatibility/2006">
-        <mc:Choice xmlns:a14="http://schemas.microsoft.com/office/drawing/2010/main" Requires="a14">
+      <mc:AlternateContent xmlns:mc="http://schemas.openxmlformats.org/markup-compatibility/2006" xmlns:a14="http://schemas.microsoft.com/office/drawing/2010/main">
+        <mc:Choice Requires="a14">
           <p:sp>
             <p:nvSpPr>
               <p:cNvPr id="40" name="ZoneTexte 39"/>
@@ -3759,6 +3762,7 @@
               </a:bodyPr>
               <a:lstStyle/>
               <a:p>
+                <a:pPr/>
                 <a14:m>
                   <m:oMathPara xmlns:m="http://schemas.openxmlformats.org/officeDocument/2006/math">
                     <m:oMathParaPr>
@@ -3779,7 +3783,7 @@
             </p:txBody>
           </p:sp>
         </mc:Choice>
-        <mc:Fallback>
+        <mc:Fallback xmlns="">
           <p:sp>
             <p:nvSpPr>
               <p:cNvPr id="40" name="ZoneTexte 39"/>
@@ -3818,8 +3822,8 @@
           </p:sp>
         </mc:Fallback>
       </mc:AlternateContent>
-      <mc:AlternateContent xmlns:mc="http://schemas.openxmlformats.org/markup-compatibility/2006">
-        <mc:Choice xmlns:a14="http://schemas.microsoft.com/office/drawing/2010/main" Requires="a14">
+      <mc:AlternateContent xmlns:mc="http://schemas.openxmlformats.org/markup-compatibility/2006" xmlns:a14="http://schemas.microsoft.com/office/drawing/2010/main">
+        <mc:Choice Requires="a14">
           <p:sp>
             <p:nvSpPr>
               <p:cNvPr id="41" name="ZoneTexte 40"/>
@@ -3842,6 +3846,7 @@
               </a:bodyPr>
               <a:lstStyle/>
               <a:p>
+                <a:pPr/>
                 <a14:m>
                   <m:oMathPara xmlns:m="http://schemas.openxmlformats.org/officeDocument/2006/math">
                     <m:oMathParaPr>
@@ -3862,7 +3867,7 @@
             </p:txBody>
           </p:sp>
         </mc:Choice>
-        <mc:Fallback>
+        <mc:Fallback xmlns="">
           <p:sp>
             <p:nvSpPr>
               <p:cNvPr id="41" name="ZoneTexte 40"/>
@@ -4052,8 +4057,8 @@
             </p:style>
           </p:cxnSp>
         </p:grpSp>
-        <mc:AlternateContent xmlns:mc="http://schemas.openxmlformats.org/markup-compatibility/2006">
-          <mc:Choice xmlns:a14="http://schemas.microsoft.com/office/drawing/2010/main" Requires="a14">
+        <mc:AlternateContent xmlns:mc="http://schemas.openxmlformats.org/markup-compatibility/2006" xmlns:a14="http://schemas.microsoft.com/office/drawing/2010/main">
+          <mc:Choice Requires="a14">
             <p:sp>
               <p:nvSpPr>
                 <p:cNvPr id="46" name="ZoneTexte 45"/>
@@ -4076,6 +4081,7 @@
                 </a:bodyPr>
                 <a:lstStyle/>
                 <a:p>
+                  <a:pPr/>
                   <a14:m>
                     <m:oMathPara xmlns:m="http://schemas.openxmlformats.org/officeDocument/2006/math">
                       <m:oMathParaPr>
@@ -4127,7 +4133,7 @@
               </p:txBody>
             </p:sp>
           </mc:Choice>
-          <mc:Fallback>
+          <mc:Fallback xmlns="">
             <p:sp>
               <p:nvSpPr>
                 <p:cNvPr id="46" name="ZoneTexte 45"/>
@@ -4166,8 +4172,8 @@
             </p:sp>
           </mc:Fallback>
         </mc:AlternateContent>
-        <mc:AlternateContent xmlns:mc="http://schemas.openxmlformats.org/markup-compatibility/2006">
-          <mc:Choice xmlns:a14="http://schemas.microsoft.com/office/drawing/2010/main" Requires="a14">
+        <mc:AlternateContent xmlns:mc="http://schemas.openxmlformats.org/markup-compatibility/2006" xmlns:a14="http://schemas.microsoft.com/office/drawing/2010/main">
+          <mc:Choice Requires="a14">
             <p:sp>
               <p:nvSpPr>
                 <p:cNvPr id="51" name="ZoneTexte 50"/>
@@ -4190,6 +4196,7 @@
                 </a:bodyPr>
                 <a:lstStyle/>
                 <a:p>
+                  <a:pPr/>
                   <a14:m>
                     <m:oMathPara xmlns:m="http://schemas.openxmlformats.org/officeDocument/2006/math">
                       <m:oMathParaPr>
@@ -4241,7 +4248,7 @@
               </p:txBody>
             </p:sp>
           </mc:Choice>
-          <mc:Fallback>
+          <mc:Fallback xmlns="">
             <p:sp>
               <p:nvSpPr>
                 <p:cNvPr id="51" name="ZoneTexte 50"/>
@@ -4382,8 +4389,8 @@
             </p:style>
           </p:cxnSp>
         </p:grpSp>
-        <mc:AlternateContent xmlns:mc="http://schemas.openxmlformats.org/markup-compatibility/2006">
-          <mc:Choice xmlns:a14="http://schemas.microsoft.com/office/drawing/2010/main" Requires="a14">
+        <mc:AlternateContent xmlns:mc="http://schemas.openxmlformats.org/markup-compatibility/2006" xmlns:a14="http://schemas.microsoft.com/office/drawing/2010/main">
+          <mc:Choice Requires="a14">
             <p:sp>
               <p:nvSpPr>
                 <p:cNvPr id="56" name="ZoneTexte 55"/>
@@ -4406,6 +4413,7 @@
                 </a:bodyPr>
                 <a:lstStyle/>
                 <a:p>
+                  <a:pPr/>
                   <a14:m>
                     <m:oMathPara xmlns:m="http://schemas.openxmlformats.org/officeDocument/2006/math">
                       <m:oMathParaPr>
@@ -4457,7 +4465,7 @@
               </p:txBody>
             </p:sp>
           </mc:Choice>
-          <mc:Fallback>
+          <mc:Fallback xmlns="">
             <p:sp>
               <p:nvSpPr>
                 <p:cNvPr id="56" name="ZoneTexte 55"/>
@@ -4496,8 +4504,8 @@
             </p:sp>
           </mc:Fallback>
         </mc:AlternateContent>
-        <mc:AlternateContent xmlns:mc="http://schemas.openxmlformats.org/markup-compatibility/2006">
-          <mc:Choice xmlns:a14="http://schemas.microsoft.com/office/drawing/2010/main" Requires="a14">
+        <mc:AlternateContent xmlns:mc="http://schemas.openxmlformats.org/markup-compatibility/2006" xmlns:a14="http://schemas.microsoft.com/office/drawing/2010/main">
+          <mc:Choice Requires="a14">
             <p:sp>
               <p:nvSpPr>
                 <p:cNvPr id="57" name="ZoneTexte 56"/>
@@ -4520,6 +4528,7 @@
                 </a:bodyPr>
                 <a:lstStyle/>
                 <a:p>
+                  <a:pPr/>
                   <a14:m>
                     <m:oMathPara xmlns:m="http://schemas.openxmlformats.org/officeDocument/2006/math">
                       <m:oMathParaPr>
@@ -4571,7 +4580,7 @@
               </p:txBody>
             </p:sp>
           </mc:Choice>
-          <mc:Fallback>
+          <mc:Fallback xmlns="">
             <p:sp>
               <p:nvSpPr>
                 <p:cNvPr id="57" name="ZoneTexte 56"/>
@@ -4723,11 +4732,6 @@
               </a:rPr>
               <a:t>2</a:t>
             </a:r>
-            <a:endParaRPr lang="fr-FR" b="1" dirty="0">
-              <a:solidFill>
-                <a:srgbClr val="7030A0"/>
-              </a:solidFill>
-            </a:endParaRPr>
           </a:p>
         </p:txBody>
       </p:sp>
@@ -4818,8 +4822,8 @@
           </p:style>
         </p:cxnSp>
       </p:grpSp>
-      <mc:AlternateContent xmlns:mc="http://schemas.openxmlformats.org/markup-compatibility/2006">
-        <mc:Choice xmlns:a14="http://schemas.microsoft.com/office/drawing/2010/main" Requires="a14">
+      <mc:AlternateContent xmlns:mc="http://schemas.openxmlformats.org/markup-compatibility/2006" xmlns:a14="http://schemas.microsoft.com/office/drawing/2010/main">
+        <mc:Choice Requires="a14">
           <p:sp>
             <p:nvSpPr>
               <p:cNvPr id="70" name="ZoneTexte 69"/>
@@ -4842,6 +4846,7 @@
               </a:bodyPr>
               <a:lstStyle/>
               <a:p>
+                <a:pPr/>
                 <a14:m>
                   <m:oMathPara xmlns:m="http://schemas.openxmlformats.org/officeDocument/2006/math">
                     <m:oMathParaPr>
@@ -4893,7 +4898,7 @@
             </p:txBody>
           </p:sp>
         </mc:Choice>
-        <mc:Fallback>
+        <mc:Fallback xmlns="">
           <p:sp>
             <p:nvSpPr>
               <p:cNvPr id="70" name="ZoneTexte 69"/>
@@ -4932,8 +4937,8 @@
           </p:sp>
         </mc:Fallback>
       </mc:AlternateContent>
-      <mc:AlternateContent xmlns:mc="http://schemas.openxmlformats.org/markup-compatibility/2006">
-        <mc:Choice xmlns:a14="http://schemas.microsoft.com/office/drawing/2010/main" Requires="a14">
+      <mc:AlternateContent xmlns:mc="http://schemas.openxmlformats.org/markup-compatibility/2006" xmlns:a14="http://schemas.microsoft.com/office/drawing/2010/main">
+        <mc:Choice Requires="a14">
           <p:sp>
             <p:nvSpPr>
               <p:cNvPr id="71" name="ZoneTexte 70"/>
@@ -4956,6 +4961,7 @@
               </a:bodyPr>
               <a:lstStyle/>
               <a:p>
+                <a:pPr/>
                 <a14:m>
                   <m:oMathPara xmlns:m="http://schemas.openxmlformats.org/officeDocument/2006/math">
                     <m:oMathParaPr>
@@ -5007,7 +5013,7 @@
             </p:txBody>
           </p:sp>
         </mc:Choice>
-        <mc:Fallback>
+        <mc:Fallback xmlns="">
           <p:sp>
             <p:nvSpPr>
               <p:cNvPr id="71" name="ZoneTexte 70"/>
@@ -5253,8 +5259,8 @@
           </p:style>
         </p:cxnSp>
       </p:grpSp>
-      <mc:AlternateContent xmlns:mc="http://schemas.openxmlformats.org/markup-compatibility/2006">
-        <mc:Choice xmlns:a14="http://schemas.microsoft.com/office/drawing/2010/main" Requires="a14">
+      <mc:AlternateContent xmlns:mc="http://schemas.openxmlformats.org/markup-compatibility/2006" xmlns:a14="http://schemas.microsoft.com/office/drawing/2010/main">
+        <mc:Choice Requires="a14">
           <p:sp>
             <p:nvSpPr>
               <p:cNvPr id="84" name="ZoneTexte 83"/>
@@ -5277,6 +5283,7 @@
               </a:bodyPr>
               <a:lstStyle/>
               <a:p>
+                <a:pPr/>
                 <a14:m>
                   <m:oMathPara xmlns:m="http://schemas.openxmlformats.org/officeDocument/2006/math">
                     <m:oMathParaPr>
@@ -5328,7 +5335,7 @@
             </p:txBody>
           </p:sp>
         </mc:Choice>
-        <mc:Fallback>
+        <mc:Fallback xmlns="">
           <p:sp>
             <p:nvSpPr>
               <p:cNvPr id="84" name="ZoneTexte 83"/>
@@ -5367,8 +5374,8 @@
           </p:sp>
         </mc:Fallback>
       </mc:AlternateContent>
-      <mc:AlternateContent xmlns:mc="http://schemas.openxmlformats.org/markup-compatibility/2006">
-        <mc:Choice xmlns:a14="http://schemas.microsoft.com/office/drawing/2010/main" Requires="a14">
+      <mc:AlternateContent xmlns:mc="http://schemas.openxmlformats.org/markup-compatibility/2006" xmlns:a14="http://schemas.microsoft.com/office/drawing/2010/main">
+        <mc:Choice Requires="a14">
           <p:sp>
             <p:nvSpPr>
               <p:cNvPr id="85" name="ZoneTexte 84"/>
@@ -5391,6 +5398,7 @@
               </a:bodyPr>
               <a:lstStyle/>
               <a:p>
+                <a:pPr/>
                 <a14:m>
                   <m:oMathPara xmlns:m="http://schemas.openxmlformats.org/officeDocument/2006/math">
                     <m:oMathParaPr>
@@ -5442,7 +5450,7 @@
             </p:txBody>
           </p:sp>
         </mc:Choice>
-        <mc:Fallback>
+        <mc:Fallback xmlns="">
           <p:sp>
             <p:nvSpPr>
               <p:cNvPr id="85" name="ZoneTexte 84"/>
@@ -5626,8 +5634,8 @@
               </p:style>
             </p:cxnSp>
           </p:grpSp>
-          <mc:AlternateContent xmlns:mc="http://schemas.openxmlformats.org/markup-compatibility/2006">
-            <mc:Choice xmlns:a14="http://schemas.microsoft.com/office/drawing/2010/main" Requires="a14">
+          <mc:AlternateContent xmlns:mc="http://schemas.openxmlformats.org/markup-compatibility/2006" xmlns:a14="http://schemas.microsoft.com/office/drawing/2010/main">
+            <mc:Choice Requires="a14">
               <p:sp>
                 <p:nvSpPr>
                   <p:cNvPr id="46" name="ZoneTexte 45"/>
@@ -5650,6 +5658,7 @@
                   </a:bodyPr>
                   <a:lstStyle/>
                   <a:p>
+                    <a:pPr/>
                     <a14:m>
                       <m:oMathPara xmlns:m="http://schemas.openxmlformats.org/officeDocument/2006/math">
                         <m:oMathParaPr>
@@ -5701,7 +5710,7 @@
                 </p:txBody>
               </p:sp>
             </mc:Choice>
-            <mc:Fallback>
+            <mc:Fallback xmlns="">
               <p:sp>
                 <p:nvSpPr>
                   <p:cNvPr id="46" name="ZoneTexte 45"/>
@@ -5740,8 +5749,8 @@
               </p:sp>
             </mc:Fallback>
           </mc:AlternateContent>
-          <mc:AlternateContent xmlns:mc="http://schemas.openxmlformats.org/markup-compatibility/2006">
-            <mc:Choice xmlns:a14="http://schemas.microsoft.com/office/drawing/2010/main" Requires="a14">
+          <mc:AlternateContent xmlns:mc="http://schemas.openxmlformats.org/markup-compatibility/2006" xmlns:a14="http://schemas.microsoft.com/office/drawing/2010/main">
+            <mc:Choice Requires="a14">
               <p:sp>
                 <p:nvSpPr>
                   <p:cNvPr id="51" name="ZoneTexte 50"/>
@@ -5764,6 +5773,7 @@
                   </a:bodyPr>
                   <a:lstStyle/>
                   <a:p>
+                    <a:pPr/>
                     <a14:m>
                       <m:oMathPara xmlns:m="http://schemas.openxmlformats.org/officeDocument/2006/math">
                         <m:oMathParaPr>
@@ -5815,7 +5825,7 @@
                 </p:txBody>
               </p:sp>
             </mc:Choice>
-            <mc:Fallback>
+            <mc:Fallback xmlns="">
               <p:sp>
                 <p:nvSpPr>
                   <p:cNvPr id="51" name="ZoneTexte 50"/>
@@ -5942,8 +5952,8 @@
             </p:style>
           </p:cxnSp>
         </p:grpSp>
-        <mc:AlternateContent xmlns:mc="http://schemas.openxmlformats.org/markup-compatibility/2006">
-          <mc:Choice xmlns:a14="http://schemas.microsoft.com/office/drawing/2010/main" Requires="a14">
+        <mc:AlternateContent xmlns:mc="http://schemas.openxmlformats.org/markup-compatibility/2006" xmlns:a14="http://schemas.microsoft.com/office/drawing/2010/main">
+          <mc:Choice Requires="a14">
             <p:sp>
               <p:nvSpPr>
                 <p:cNvPr id="49" name="ZoneTexte 48"/>
@@ -5966,6 +5976,7 @@
                 </a:bodyPr>
                 <a:lstStyle/>
                 <a:p>
+                  <a:pPr/>
                   <a14:m>
                     <m:oMathPara xmlns:m="http://schemas.openxmlformats.org/officeDocument/2006/math">
                       <m:oMathParaPr>
@@ -6017,7 +6028,7 @@
               </p:txBody>
             </p:sp>
           </mc:Choice>
-          <mc:Fallback>
+          <mc:Fallback xmlns="">
             <p:sp>
               <p:nvSpPr>
                 <p:cNvPr id="49" name="ZoneTexte 48"/>
@@ -6056,8 +6067,8 @@
             </p:sp>
           </mc:Fallback>
         </mc:AlternateContent>
-        <mc:AlternateContent xmlns:mc="http://schemas.openxmlformats.org/markup-compatibility/2006">
-          <mc:Choice xmlns:a14="http://schemas.microsoft.com/office/drawing/2010/main" Requires="a14">
+        <mc:AlternateContent xmlns:mc="http://schemas.openxmlformats.org/markup-compatibility/2006" xmlns:a14="http://schemas.microsoft.com/office/drawing/2010/main">
+          <mc:Choice Requires="a14">
             <p:sp>
               <p:nvSpPr>
                 <p:cNvPr id="52" name="ZoneTexte 51"/>
@@ -6080,6 +6091,7 @@
                 </a:bodyPr>
                 <a:lstStyle/>
                 <a:p>
+                  <a:pPr/>
                   <a14:m>
                     <m:oMathPara xmlns:m="http://schemas.openxmlformats.org/officeDocument/2006/math">
                       <m:oMathParaPr>
@@ -6131,7 +6143,7 @@
               </p:txBody>
             </p:sp>
           </mc:Choice>
-          <mc:Fallback>
+          <mc:Fallback xmlns="">
             <p:sp>
               <p:nvSpPr>
                 <p:cNvPr id="52" name="ZoneTexte 51"/>
@@ -6218,8 +6230,8 @@
             </a:p>
           </p:txBody>
         </p:sp>
-        <mc:AlternateContent xmlns:mc="http://schemas.openxmlformats.org/markup-compatibility/2006">
-          <mc:Choice xmlns:a14="http://schemas.microsoft.com/office/drawing/2010/main" Requires="a14">
+        <mc:AlternateContent xmlns:mc="http://schemas.openxmlformats.org/markup-compatibility/2006" xmlns:a14="http://schemas.microsoft.com/office/drawing/2010/main">
+          <mc:Choice Requires="a14">
             <p:sp>
               <p:nvSpPr>
                 <p:cNvPr id="63" name="ZoneTexte 62"/>
@@ -6242,6 +6254,7 @@
                 </a:bodyPr>
                 <a:lstStyle/>
                 <a:p>
+                  <a:pPr/>
                   <a14:m>
                     <m:oMathPara xmlns:m="http://schemas.openxmlformats.org/officeDocument/2006/math">
                       <m:oMathParaPr>
@@ -6281,7 +6294,7 @@
               </p:txBody>
             </p:sp>
           </mc:Choice>
-          <mc:Fallback>
+          <mc:Fallback xmlns="">
             <p:sp>
               <p:nvSpPr>
                 <p:cNvPr id="63" name="ZoneTexte 62"/>
@@ -6436,8 +6449,8 @@
               </p:style>
             </p:cxnSp>
           </p:grpSp>
-          <mc:AlternateContent xmlns:mc="http://schemas.openxmlformats.org/markup-compatibility/2006">
-            <mc:Choice xmlns:a14="http://schemas.microsoft.com/office/drawing/2010/main" Requires="a14">
+          <mc:AlternateContent xmlns:mc="http://schemas.openxmlformats.org/markup-compatibility/2006" xmlns:a14="http://schemas.microsoft.com/office/drawing/2010/main">
+            <mc:Choice Requires="a14">
               <p:sp>
                 <p:nvSpPr>
                   <p:cNvPr id="81" name="ZoneTexte 80"/>
@@ -6460,6 +6473,7 @@
                   </a:bodyPr>
                   <a:lstStyle/>
                   <a:p>
+                    <a:pPr/>
                     <a14:m>
                       <m:oMathPara xmlns:m="http://schemas.openxmlformats.org/officeDocument/2006/math">
                         <m:oMathParaPr>
@@ -6511,7 +6525,7 @@
                 </p:txBody>
               </p:sp>
             </mc:Choice>
-            <mc:Fallback>
+            <mc:Fallback xmlns="">
               <p:sp>
                 <p:nvSpPr>
                   <p:cNvPr id="81" name="ZoneTexte 80"/>
@@ -6550,8 +6564,8 @@
               </p:sp>
             </mc:Fallback>
           </mc:AlternateContent>
-          <mc:AlternateContent xmlns:mc="http://schemas.openxmlformats.org/markup-compatibility/2006">
-            <mc:Choice xmlns:a14="http://schemas.microsoft.com/office/drawing/2010/main" Requires="a14">
+          <mc:AlternateContent xmlns:mc="http://schemas.openxmlformats.org/markup-compatibility/2006" xmlns:a14="http://schemas.microsoft.com/office/drawing/2010/main">
+            <mc:Choice Requires="a14">
               <p:sp>
                 <p:nvSpPr>
                   <p:cNvPr id="82" name="ZoneTexte 81"/>
@@ -6574,6 +6588,7 @@
                   </a:bodyPr>
                   <a:lstStyle/>
                   <a:p>
+                    <a:pPr/>
                     <a14:m>
                       <m:oMathPara xmlns:m="http://schemas.openxmlformats.org/officeDocument/2006/math">
                         <m:oMathParaPr>
@@ -6625,7 +6640,7 @@
                 </p:txBody>
               </p:sp>
             </mc:Choice>
-            <mc:Fallback>
+            <mc:Fallback xmlns="">
               <p:sp>
                 <p:nvSpPr>
                   <p:cNvPr id="82" name="ZoneTexte 81"/>
@@ -6752,8 +6767,8 @@
             </p:style>
           </p:cxnSp>
         </p:grpSp>
-        <mc:AlternateContent xmlns:mc="http://schemas.openxmlformats.org/markup-compatibility/2006">
-          <mc:Choice xmlns:a14="http://schemas.microsoft.com/office/drawing/2010/main" Requires="a14">
+        <mc:AlternateContent xmlns:mc="http://schemas.openxmlformats.org/markup-compatibility/2006" xmlns:a14="http://schemas.microsoft.com/office/drawing/2010/main">
+          <mc:Choice Requires="a14">
             <p:sp>
               <p:nvSpPr>
                 <p:cNvPr id="67" name="ZoneTexte 66"/>
@@ -6776,6 +6791,7 @@
                 </a:bodyPr>
                 <a:lstStyle/>
                 <a:p>
+                  <a:pPr/>
                   <a14:m>
                     <m:oMathPara xmlns:m="http://schemas.openxmlformats.org/officeDocument/2006/math">
                       <m:oMathParaPr>
@@ -6827,7 +6843,7 @@
               </p:txBody>
             </p:sp>
           </mc:Choice>
-          <mc:Fallback>
+          <mc:Fallback xmlns="">
             <p:sp>
               <p:nvSpPr>
                 <p:cNvPr id="67" name="ZoneTexte 66"/>
@@ -6866,8 +6882,8 @@
             </p:sp>
           </mc:Fallback>
         </mc:AlternateContent>
-        <mc:AlternateContent xmlns:mc="http://schemas.openxmlformats.org/markup-compatibility/2006">
-          <mc:Choice xmlns:a14="http://schemas.microsoft.com/office/drawing/2010/main" Requires="a14">
+        <mc:AlternateContent xmlns:mc="http://schemas.openxmlformats.org/markup-compatibility/2006" xmlns:a14="http://schemas.microsoft.com/office/drawing/2010/main">
+          <mc:Choice Requires="a14">
             <p:sp>
               <p:nvSpPr>
                 <p:cNvPr id="68" name="ZoneTexte 67"/>
@@ -6890,6 +6906,7 @@
                 </a:bodyPr>
                 <a:lstStyle/>
                 <a:p>
+                  <a:pPr/>
                   <a14:m>
                     <m:oMathPara xmlns:m="http://schemas.openxmlformats.org/officeDocument/2006/math">
                       <m:oMathParaPr>
@@ -6941,7 +6958,7 @@
               </p:txBody>
             </p:sp>
           </mc:Choice>
-          <mc:Fallback>
+          <mc:Fallback xmlns="">
             <p:sp>
               <p:nvSpPr>
                 <p:cNvPr id="68" name="ZoneTexte 67"/>
@@ -7028,8 +7045,8 @@
             </a:p>
           </p:txBody>
         </p:sp>
-        <mc:AlternateContent xmlns:mc="http://schemas.openxmlformats.org/markup-compatibility/2006">
-          <mc:Choice xmlns:a14="http://schemas.microsoft.com/office/drawing/2010/main" Requires="a14">
+        <mc:AlternateContent xmlns:mc="http://schemas.openxmlformats.org/markup-compatibility/2006" xmlns:a14="http://schemas.microsoft.com/office/drawing/2010/main">
+          <mc:Choice Requires="a14">
             <p:sp>
               <p:nvSpPr>
                 <p:cNvPr id="77" name="ZoneTexte 76"/>
@@ -7052,6 +7069,7 @@
                 </a:bodyPr>
                 <a:lstStyle/>
                 <a:p>
+                  <a:pPr/>
                   <a14:m>
                     <m:oMathPara xmlns:m="http://schemas.openxmlformats.org/officeDocument/2006/math">
                       <m:oMathParaPr>
@@ -7091,7 +7109,3297 @@
               </p:txBody>
             </p:sp>
           </mc:Choice>
-          <mc:Fallback>
+          <mc:Fallback xmlns="">
+            <p:sp>
+              <p:nvSpPr>
+                <p:cNvPr id="77" name="ZoneTexte 76"/>
+                <p:cNvSpPr txBox="1">
+                  <a:spLocks noRot="1" noChangeAspect="1" noMove="1" noResize="1" noEditPoints="1" noAdjustHandles="1" noChangeArrowheads="1" noChangeShapeType="1" noTextEdit="1"/>
+                </p:cNvSpPr>
+                <p:nvPr/>
+              </p:nvSpPr>
+              <p:spPr>
+                <a:xfrm>
+                  <a:off x="2006135" y="2336418"/>
+                  <a:ext cx="340991" cy="246221"/>
+                </a:xfrm>
+                <a:prstGeom prst="rect">
+                  <a:avLst/>
+                </a:prstGeom>
+                <a:blipFill rotWithShape="1">
+                  <a:blip r:embed="rId11"/>
+                  <a:stretch>
+                    <a:fillRect/>
+                  </a:stretch>
+                </a:blipFill>
+              </p:spPr>
+              <p:txBody>
+                <a:bodyPr/>
+                <a:lstStyle/>
+                <a:p>
+                  <a:r>
+                    <a:rPr lang="fr-FR">
+                      <a:noFill/>
+                    </a:rPr>
+                    <a:t> </a:t>
+                  </a:r>
+                </a:p>
+              </p:txBody>
+            </p:sp>
+          </mc:Fallback>
+        </mc:AlternateContent>
+      </p:grpSp>
+      <p:grpSp>
+        <p:nvGrpSpPr>
+          <p:cNvPr id="104" name="Groupe 103"/>
+          <p:cNvGrpSpPr/>
+          <p:nvPr/>
+        </p:nvGrpSpPr>
+        <p:grpSpPr>
+          <a:xfrm>
+            <a:off x="1116744" y="2870227"/>
+            <a:ext cx="1623788" cy="1501906"/>
+            <a:chOff x="1112296" y="1779954"/>
+            <a:chExt cx="1623788" cy="1501906"/>
+          </a:xfrm>
+        </p:grpSpPr>
+        <p:grpSp>
+          <p:nvGrpSpPr>
+            <p:cNvPr id="105" name="Groupe 104"/>
+            <p:cNvGrpSpPr/>
+            <p:nvPr/>
+          </p:nvGrpSpPr>
+          <p:grpSpPr>
+            <a:xfrm>
+              <a:off x="1250031" y="1779954"/>
+              <a:ext cx="1486053" cy="1055968"/>
+              <a:chOff x="2319658" y="2219905"/>
+              <a:chExt cx="1486053" cy="1055968"/>
+            </a:xfrm>
+          </p:grpSpPr>
+          <p:grpSp>
+            <p:nvGrpSpPr>
+              <p:cNvPr id="113" name="Groupe 112"/>
+              <p:cNvGrpSpPr/>
+              <p:nvPr/>
+            </p:nvGrpSpPr>
+            <p:grpSpPr>
+              <a:xfrm>
+                <a:off x="2751525" y="2420888"/>
+                <a:ext cx="729461" cy="731875"/>
+                <a:chOff x="3317032" y="2996951"/>
+                <a:chExt cx="729461" cy="731875"/>
+              </a:xfrm>
+            </p:grpSpPr>
+            <p:cxnSp>
+              <p:nvCxnSpPr>
+                <p:cNvPr id="116" name="Connecteur droit 115"/>
+                <p:cNvCxnSpPr/>
+                <p:nvPr/>
+              </p:nvCxnSpPr>
+              <p:spPr>
+                <a:xfrm>
+                  <a:off x="3317032" y="3728826"/>
+                  <a:ext cx="729461" cy="0"/>
+                </a:xfrm>
+                <a:prstGeom prst="line">
+                  <a:avLst/>
+                </a:prstGeom>
+                <a:ln w="28575">
+                  <a:solidFill>
+                    <a:srgbClr val="7030A0"/>
+                  </a:solidFill>
+                  <a:tailEnd type="stealth" w="med" len="lg"/>
+                </a:ln>
+              </p:spPr>
+              <p:style>
+                <a:lnRef idx="1">
+                  <a:schemeClr val="accent1"/>
+                </a:lnRef>
+                <a:fillRef idx="0">
+                  <a:schemeClr val="accent1"/>
+                </a:fillRef>
+                <a:effectRef idx="0">
+                  <a:schemeClr val="accent1"/>
+                </a:effectRef>
+                <a:fontRef idx="minor">
+                  <a:schemeClr val="tx1"/>
+                </a:fontRef>
+              </p:style>
+            </p:cxnSp>
+            <p:cxnSp>
+              <p:nvCxnSpPr>
+                <p:cNvPr id="117" name="Connecteur droit 116"/>
+                <p:cNvCxnSpPr/>
+                <p:nvPr/>
+              </p:nvCxnSpPr>
+              <p:spPr>
+                <a:xfrm rot="16200000">
+                  <a:off x="2952302" y="3361682"/>
+                  <a:ext cx="729461" cy="0"/>
+                </a:xfrm>
+                <a:prstGeom prst="line">
+                  <a:avLst/>
+                </a:prstGeom>
+                <a:ln w="28575">
+                  <a:solidFill>
+                    <a:srgbClr val="7030A0"/>
+                  </a:solidFill>
+                  <a:tailEnd type="stealth" w="med" len="lg"/>
+                </a:ln>
+              </p:spPr>
+              <p:style>
+                <a:lnRef idx="1">
+                  <a:schemeClr val="accent1"/>
+                </a:lnRef>
+                <a:fillRef idx="0">
+                  <a:schemeClr val="accent1"/>
+                </a:fillRef>
+                <a:effectRef idx="0">
+                  <a:schemeClr val="accent1"/>
+                </a:effectRef>
+                <a:fontRef idx="minor">
+                  <a:schemeClr val="tx1"/>
+                </a:fontRef>
+              </p:style>
+            </p:cxnSp>
+          </p:grpSp>
+          <mc:AlternateContent xmlns:mc="http://schemas.openxmlformats.org/markup-compatibility/2006" xmlns:a14="http://schemas.microsoft.com/office/drawing/2010/main">
+            <mc:Choice Requires="a14">
+              <p:sp>
+                <p:nvSpPr>
+                  <p:cNvPr id="114" name="ZoneTexte 113"/>
+                  <p:cNvSpPr txBox="1"/>
+                  <p:nvPr/>
+                </p:nvSpPr>
+                <p:spPr>
+                  <a:xfrm>
+                    <a:off x="3464720" y="3029652"/>
+                    <a:ext cx="340991" cy="246221"/>
+                  </a:xfrm>
+                  <a:prstGeom prst="rect">
+                    <a:avLst/>
+                  </a:prstGeom>
+                  <a:noFill/>
+                </p:spPr>
+                <p:txBody>
+                  <a:bodyPr wrap="none" rtlCol="0">
+                    <a:spAutoFit/>
+                  </a:bodyPr>
+                  <a:lstStyle/>
+                  <a:p>
+                    <a:pPr/>
+                    <a14:m>
+                      <m:oMathPara xmlns:m="http://schemas.openxmlformats.org/officeDocument/2006/math">
+                        <m:oMathParaPr>
+                          <m:jc m:val="centerGroup"/>
+                        </m:oMathParaPr>
+                        <m:oMath xmlns:m="http://schemas.openxmlformats.org/officeDocument/2006/math">
+                          <m:acc>
+                            <m:accPr>
+                              <m:chr m:val="⃗"/>
+                              <m:ctrlPr>
+                                <a:rPr lang="fr-FR" sz="1000" i="1" smtClean="0">
+                                  <a:latin typeface="Cambria Math"/>
+                                </a:rPr>
+                              </m:ctrlPr>
+                            </m:accPr>
+                            <m:e>
+                              <m:sSub>
+                                <m:sSubPr>
+                                  <m:ctrlPr>
+                                    <a:rPr lang="fr-FR" sz="1000" b="0" i="1" smtClean="0">
+                                      <a:latin typeface="Cambria Math"/>
+                                    </a:rPr>
+                                  </m:ctrlPr>
+                                </m:sSubPr>
+                                <m:e>
+                                  <m:r>
+                                    <a:rPr lang="fr-FR" sz="1000" b="0" i="1" smtClean="0">
+                                      <a:latin typeface="Cambria Math"/>
+                                    </a:rPr>
+                                    <m:t>𝑥</m:t>
+                                  </m:r>
+                                </m:e>
+                                <m:sub>
+                                  <m:r>
+                                    <a:rPr lang="fr-FR" sz="1000" b="0" i="1" smtClean="0">
+                                      <a:latin typeface="Cambria Math"/>
+                                    </a:rPr>
+                                    <m:t>2</m:t>
+                                  </m:r>
+                                </m:sub>
+                              </m:sSub>
+                            </m:e>
+                          </m:acc>
+                        </m:oMath>
+                      </m:oMathPara>
+                    </a14:m>
+                    <a:endParaRPr lang="fr-FR" sz="1000" dirty="0"/>
+                  </a:p>
+                </p:txBody>
+              </p:sp>
+            </mc:Choice>
+            <mc:Fallback xmlns="">
+              <p:sp>
+                <p:nvSpPr>
+                  <p:cNvPr id="114" name="ZoneTexte 113"/>
+                  <p:cNvSpPr txBox="1">
+                    <a:spLocks noRot="1" noChangeAspect="1" noMove="1" noResize="1" noEditPoints="1" noAdjustHandles="1" noChangeArrowheads="1" noChangeShapeType="1" noTextEdit="1"/>
+                  </p:cNvSpPr>
+                  <p:nvPr/>
+                </p:nvSpPr>
+                <p:spPr>
+                  <a:xfrm>
+                    <a:off x="3464720" y="3029652"/>
+                    <a:ext cx="340991" cy="246221"/>
+                  </a:xfrm>
+                  <a:prstGeom prst="rect">
+                    <a:avLst/>
+                  </a:prstGeom>
+                  <a:blipFill rotWithShape="1">
+                    <a:blip r:embed="rId12"/>
+                    <a:stretch>
+                      <a:fillRect/>
+                    </a:stretch>
+                  </a:blipFill>
+                </p:spPr>
+                <p:txBody>
+                  <a:bodyPr/>
+                  <a:lstStyle/>
+                  <a:p>
+                    <a:r>
+                      <a:rPr lang="fr-FR">
+                        <a:noFill/>
+                      </a:rPr>
+                      <a:t> </a:t>
+                    </a:r>
+                  </a:p>
+                </p:txBody>
+              </p:sp>
+            </mc:Fallback>
+          </mc:AlternateContent>
+          <mc:AlternateContent xmlns:mc="http://schemas.openxmlformats.org/markup-compatibility/2006" xmlns:a14="http://schemas.microsoft.com/office/drawing/2010/main">
+            <mc:Choice Requires="a14">
+              <p:sp>
+                <p:nvSpPr>
+                  <p:cNvPr id="115" name="ZoneTexte 114"/>
+                  <p:cNvSpPr txBox="1"/>
+                  <p:nvPr/>
+                </p:nvSpPr>
+                <p:spPr>
+                  <a:xfrm>
+                    <a:off x="2319658" y="2219905"/>
+                    <a:ext cx="341568" cy="246221"/>
+                  </a:xfrm>
+                  <a:prstGeom prst="rect">
+                    <a:avLst/>
+                  </a:prstGeom>
+                  <a:noFill/>
+                </p:spPr>
+                <p:txBody>
+                  <a:bodyPr wrap="none" rtlCol="0">
+                    <a:spAutoFit/>
+                  </a:bodyPr>
+                  <a:lstStyle/>
+                  <a:p>
+                    <a:pPr/>
+                    <a14:m>
+                      <m:oMathPara xmlns:m="http://schemas.openxmlformats.org/officeDocument/2006/math">
+                        <m:oMathParaPr>
+                          <m:jc m:val="centerGroup"/>
+                        </m:oMathParaPr>
+                        <m:oMath xmlns:m="http://schemas.openxmlformats.org/officeDocument/2006/math">
+                          <m:acc>
+                            <m:accPr>
+                              <m:chr m:val="⃗"/>
+                              <m:ctrlPr>
+                                <a:rPr lang="fr-FR" sz="1000" i="1" smtClean="0">
+                                  <a:latin typeface="Cambria Math"/>
+                                </a:rPr>
+                              </m:ctrlPr>
+                            </m:accPr>
+                            <m:e>
+                              <m:sSub>
+                                <m:sSubPr>
+                                  <m:ctrlPr>
+                                    <a:rPr lang="fr-FR" sz="1000" b="0" i="1" smtClean="0">
+                                      <a:latin typeface="Cambria Math"/>
+                                    </a:rPr>
+                                  </m:ctrlPr>
+                                </m:sSubPr>
+                                <m:e>
+                                  <m:r>
+                                    <a:rPr lang="fr-FR" sz="1000" b="0" i="1" smtClean="0">
+                                      <a:latin typeface="Cambria Math"/>
+                                    </a:rPr>
+                                    <m:t>𝑦</m:t>
+                                  </m:r>
+                                </m:e>
+                                <m:sub>
+                                  <m:r>
+                                    <a:rPr lang="fr-FR" sz="1000" b="0" i="1" smtClean="0">
+                                      <a:latin typeface="Cambria Math"/>
+                                    </a:rPr>
+                                    <m:t>3</m:t>
+                                  </m:r>
+                                </m:sub>
+                              </m:sSub>
+                            </m:e>
+                          </m:acc>
+                        </m:oMath>
+                      </m:oMathPara>
+                    </a14:m>
+                    <a:endParaRPr lang="fr-FR" sz="1000" dirty="0"/>
+                  </a:p>
+                </p:txBody>
+              </p:sp>
+            </mc:Choice>
+            <mc:Fallback xmlns="">
+              <p:sp>
+                <p:nvSpPr>
+                  <p:cNvPr id="115" name="ZoneTexte 114"/>
+                  <p:cNvSpPr txBox="1">
+                    <a:spLocks noRot="1" noChangeAspect="1" noMove="1" noResize="1" noEditPoints="1" noAdjustHandles="1" noChangeArrowheads="1" noChangeShapeType="1" noTextEdit="1"/>
+                  </p:cNvSpPr>
+                  <p:nvPr/>
+                </p:nvSpPr>
+                <p:spPr>
+                  <a:xfrm>
+                    <a:off x="2319658" y="2219905"/>
+                    <a:ext cx="341568" cy="246221"/>
+                  </a:xfrm>
+                  <a:prstGeom prst="rect">
+                    <a:avLst/>
+                  </a:prstGeom>
+                  <a:blipFill rotWithShape="1">
+                    <a:blip r:embed="rId13"/>
+                    <a:stretch>
+                      <a:fillRect/>
+                    </a:stretch>
+                  </a:blipFill>
+                </p:spPr>
+                <p:txBody>
+                  <a:bodyPr/>
+                  <a:lstStyle/>
+                  <a:p>
+                    <a:r>
+                      <a:rPr lang="fr-FR">
+                        <a:noFill/>
+                      </a:rPr>
+                      <a:t> </a:t>
+                    </a:r>
+                  </a:p>
+                </p:txBody>
+              </p:sp>
+            </mc:Fallback>
+          </mc:AlternateContent>
+        </p:grpSp>
+        <p:grpSp>
+          <p:nvGrpSpPr>
+            <p:cNvPr id="106" name="Groupe 105"/>
+            <p:cNvGrpSpPr/>
+            <p:nvPr/>
+          </p:nvGrpSpPr>
+          <p:grpSpPr>
+            <a:xfrm rot="20700000">
+              <a:off x="1579482" y="1888737"/>
+              <a:ext cx="729461" cy="731875"/>
+              <a:chOff x="3317032" y="2996951"/>
+              <a:chExt cx="729461" cy="731875"/>
+            </a:xfrm>
+          </p:grpSpPr>
+          <p:cxnSp>
+            <p:nvCxnSpPr>
+              <p:cNvPr id="111" name="Connecteur droit 110"/>
+              <p:cNvCxnSpPr/>
+              <p:nvPr/>
+            </p:nvCxnSpPr>
+            <p:spPr>
+              <a:xfrm>
+                <a:off x="3317032" y="3728826"/>
+                <a:ext cx="729461" cy="0"/>
+              </a:xfrm>
+              <a:prstGeom prst="line">
+                <a:avLst/>
+              </a:prstGeom>
+              <a:ln w="28575">
+                <a:solidFill>
+                  <a:srgbClr val="0070C0"/>
+                </a:solidFill>
+                <a:tailEnd type="stealth" w="med" len="lg"/>
+              </a:ln>
+            </p:spPr>
+            <p:style>
+              <a:lnRef idx="1">
+                <a:schemeClr val="accent1"/>
+              </a:lnRef>
+              <a:fillRef idx="0">
+                <a:schemeClr val="accent1"/>
+              </a:fillRef>
+              <a:effectRef idx="0">
+                <a:schemeClr val="accent1"/>
+              </a:effectRef>
+              <a:fontRef idx="minor">
+                <a:schemeClr val="tx1"/>
+              </a:fontRef>
+            </p:style>
+          </p:cxnSp>
+          <p:cxnSp>
+            <p:nvCxnSpPr>
+              <p:cNvPr id="112" name="Connecteur droit 111"/>
+              <p:cNvCxnSpPr/>
+              <p:nvPr/>
+            </p:nvCxnSpPr>
+            <p:spPr>
+              <a:xfrm rot="16200000">
+                <a:off x="2952302" y="3361682"/>
+                <a:ext cx="729461" cy="0"/>
+              </a:xfrm>
+              <a:prstGeom prst="line">
+                <a:avLst/>
+              </a:prstGeom>
+              <a:ln w="28575">
+                <a:solidFill>
+                  <a:srgbClr val="0070C0"/>
+                </a:solidFill>
+                <a:tailEnd type="stealth" w="med" len="lg"/>
+              </a:ln>
+            </p:spPr>
+            <p:style>
+              <a:lnRef idx="1">
+                <a:schemeClr val="accent1"/>
+              </a:lnRef>
+              <a:fillRef idx="0">
+                <a:schemeClr val="accent1"/>
+              </a:fillRef>
+              <a:effectRef idx="0">
+                <a:schemeClr val="accent1"/>
+              </a:effectRef>
+              <a:fontRef idx="minor">
+                <a:schemeClr val="tx1"/>
+              </a:fontRef>
+            </p:style>
+          </p:cxnSp>
+        </p:grpSp>
+        <mc:AlternateContent xmlns:mc="http://schemas.openxmlformats.org/markup-compatibility/2006" xmlns:a14="http://schemas.microsoft.com/office/drawing/2010/main">
+          <mc:Choice Requires="a14">
+            <p:sp>
+              <p:nvSpPr>
+                <p:cNvPr id="107" name="ZoneTexte 106"/>
+                <p:cNvSpPr txBox="1"/>
+                <p:nvPr/>
+              </p:nvSpPr>
+              <p:spPr>
+                <a:xfrm>
+                  <a:off x="2386723" y="2361922"/>
+                  <a:ext cx="340991" cy="246221"/>
+                </a:xfrm>
+                <a:prstGeom prst="rect">
+                  <a:avLst/>
+                </a:prstGeom>
+                <a:noFill/>
+              </p:spPr>
+              <p:txBody>
+                <a:bodyPr wrap="none" rtlCol="0">
+                  <a:spAutoFit/>
+                </a:bodyPr>
+                <a:lstStyle/>
+                <a:p>
+                  <a:pPr/>
+                  <a14:m>
+                    <m:oMathPara xmlns:m="http://schemas.openxmlformats.org/officeDocument/2006/math">
+                      <m:oMathParaPr>
+                        <m:jc m:val="centerGroup"/>
+                      </m:oMathParaPr>
+                      <m:oMath xmlns:m="http://schemas.openxmlformats.org/officeDocument/2006/math">
+                        <m:acc>
+                          <m:accPr>
+                            <m:chr m:val="⃗"/>
+                            <m:ctrlPr>
+                              <a:rPr lang="fr-FR" sz="1000" i="1" smtClean="0">
+                                <a:latin typeface="Cambria Math"/>
+                              </a:rPr>
+                            </m:ctrlPr>
+                          </m:accPr>
+                          <m:e>
+                            <m:sSub>
+                              <m:sSubPr>
+                                <m:ctrlPr>
+                                  <a:rPr lang="fr-FR" sz="1000" b="0" i="1" smtClean="0">
+                                    <a:latin typeface="Cambria Math"/>
+                                  </a:rPr>
+                                </m:ctrlPr>
+                              </m:sSubPr>
+                              <m:e>
+                                <m:r>
+                                  <a:rPr lang="fr-FR" sz="1000" b="0" i="1" smtClean="0">
+                                    <a:latin typeface="Cambria Math"/>
+                                  </a:rPr>
+                                  <m:t>𝑥</m:t>
+                                </m:r>
+                              </m:e>
+                              <m:sub>
+                                <m:r>
+                                  <a:rPr lang="fr-FR" sz="1000" b="0" i="1" smtClean="0">
+                                    <a:latin typeface="Cambria Math"/>
+                                  </a:rPr>
+                                  <m:t>3</m:t>
+                                </m:r>
+                              </m:sub>
+                            </m:sSub>
+                          </m:e>
+                        </m:acc>
+                      </m:oMath>
+                    </m:oMathPara>
+                  </a14:m>
+                  <a:endParaRPr lang="fr-FR" sz="1000" dirty="0"/>
+                </a:p>
+              </p:txBody>
+            </p:sp>
+          </mc:Choice>
+          <mc:Fallback xmlns="">
+            <p:sp>
+              <p:nvSpPr>
+                <p:cNvPr id="107" name="ZoneTexte 106"/>
+                <p:cNvSpPr txBox="1">
+                  <a:spLocks noRot="1" noChangeAspect="1" noMove="1" noResize="1" noEditPoints="1" noAdjustHandles="1" noChangeArrowheads="1" noChangeShapeType="1" noTextEdit="1"/>
+                </p:cNvSpPr>
+                <p:nvPr/>
+              </p:nvSpPr>
+              <p:spPr>
+                <a:xfrm>
+                  <a:off x="2386723" y="2361922"/>
+                  <a:ext cx="340991" cy="246221"/>
+                </a:xfrm>
+                <a:prstGeom prst="rect">
+                  <a:avLst/>
+                </a:prstGeom>
+                <a:blipFill rotWithShape="1">
+                  <a:blip r:embed="rId14"/>
+                  <a:stretch>
+                    <a:fillRect/>
+                  </a:stretch>
+                </a:blipFill>
+              </p:spPr>
+              <p:txBody>
+                <a:bodyPr/>
+                <a:lstStyle/>
+                <a:p>
+                  <a:r>
+                    <a:rPr lang="fr-FR">
+                      <a:noFill/>
+                    </a:rPr>
+                    <a:t> </a:t>
+                  </a:r>
+                </a:p>
+              </p:txBody>
+            </p:sp>
+          </mc:Fallback>
+        </mc:AlternateContent>
+        <mc:AlternateContent xmlns:mc="http://schemas.openxmlformats.org/markup-compatibility/2006" xmlns:a14="http://schemas.microsoft.com/office/drawing/2010/main">
+          <mc:Choice Requires="a14">
+            <p:sp>
+              <p:nvSpPr>
+                <p:cNvPr id="108" name="ZoneTexte 107"/>
+                <p:cNvSpPr txBox="1"/>
+                <p:nvPr/>
+              </p:nvSpPr>
+              <p:spPr>
+                <a:xfrm>
+                  <a:off x="1511115" y="1779955"/>
+                  <a:ext cx="341568" cy="246221"/>
+                </a:xfrm>
+                <a:prstGeom prst="rect">
+                  <a:avLst/>
+                </a:prstGeom>
+                <a:noFill/>
+              </p:spPr>
+              <p:txBody>
+                <a:bodyPr wrap="none" rtlCol="0">
+                  <a:spAutoFit/>
+                </a:bodyPr>
+                <a:lstStyle/>
+                <a:p>
+                  <a:pPr/>
+                  <a14:m>
+                    <m:oMathPara xmlns:m="http://schemas.openxmlformats.org/officeDocument/2006/math">
+                      <m:oMathParaPr>
+                        <m:jc m:val="centerGroup"/>
+                      </m:oMathParaPr>
+                      <m:oMath xmlns:m="http://schemas.openxmlformats.org/officeDocument/2006/math">
+                        <m:acc>
+                          <m:accPr>
+                            <m:chr m:val="⃗"/>
+                            <m:ctrlPr>
+                              <a:rPr lang="fr-FR" sz="1000" i="1" smtClean="0">
+                                <a:latin typeface="Cambria Math"/>
+                              </a:rPr>
+                            </m:ctrlPr>
+                          </m:accPr>
+                          <m:e>
+                            <m:sSub>
+                              <m:sSubPr>
+                                <m:ctrlPr>
+                                  <a:rPr lang="fr-FR" sz="1000" b="0" i="1" smtClean="0">
+                                    <a:latin typeface="Cambria Math"/>
+                                  </a:rPr>
+                                </m:ctrlPr>
+                              </m:sSubPr>
+                              <m:e>
+                                <m:r>
+                                  <a:rPr lang="fr-FR" sz="1000" b="0" i="1" smtClean="0">
+                                    <a:latin typeface="Cambria Math"/>
+                                  </a:rPr>
+                                  <m:t>𝑦</m:t>
+                                </m:r>
+                              </m:e>
+                              <m:sub>
+                                <m:r>
+                                  <a:rPr lang="fr-FR" sz="1000" b="0" i="1" smtClean="0">
+                                    <a:latin typeface="Cambria Math"/>
+                                  </a:rPr>
+                                  <m:t>2</m:t>
+                                </m:r>
+                              </m:sub>
+                            </m:sSub>
+                          </m:e>
+                        </m:acc>
+                      </m:oMath>
+                    </m:oMathPara>
+                  </a14:m>
+                  <a:endParaRPr lang="fr-FR" sz="1000" dirty="0"/>
+                </a:p>
+              </p:txBody>
+            </p:sp>
+          </mc:Choice>
+          <mc:Fallback xmlns="">
+            <p:sp>
+              <p:nvSpPr>
+                <p:cNvPr id="108" name="ZoneTexte 107"/>
+                <p:cNvSpPr txBox="1">
+                  <a:spLocks noRot="1" noChangeAspect="1" noMove="1" noResize="1" noEditPoints="1" noAdjustHandles="1" noChangeArrowheads="1" noChangeShapeType="1" noTextEdit="1"/>
+                </p:cNvSpPr>
+                <p:nvPr/>
+              </p:nvSpPr>
+              <p:spPr>
+                <a:xfrm>
+                  <a:off x="1511115" y="1779955"/>
+                  <a:ext cx="341568" cy="246221"/>
+                </a:xfrm>
+                <a:prstGeom prst="rect">
+                  <a:avLst/>
+                </a:prstGeom>
+                <a:blipFill rotWithShape="1">
+                  <a:blip r:embed="rId15"/>
+                  <a:stretch>
+                    <a:fillRect/>
+                  </a:stretch>
+                </a:blipFill>
+              </p:spPr>
+              <p:txBody>
+                <a:bodyPr/>
+                <a:lstStyle/>
+                <a:p>
+                  <a:r>
+                    <a:rPr lang="fr-FR">
+                      <a:noFill/>
+                    </a:rPr>
+                    <a:t> </a:t>
+                  </a:r>
+                </a:p>
+              </p:txBody>
+            </p:sp>
+          </mc:Fallback>
+        </mc:AlternateContent>
+        <p:sp>
+          <p:nvSpPr>
+            <p:cNvPr id="109" name="Arc 108"/>
+            <p:cNvSpPr/>
+            <p:nvPr/>
+          </p:nvSpPr>
+          <p:spPr>
+            <a:xfrm>
+              <a:off x="1112296" y="2126412"/>
+              <a:ext cx="1155448" cy="1155448"/>
+            </a:xfrm>
+            <a:prstGeom prst="arc">
+              <a:avLst>
+                <a:gd name="adj1" fmla="val 20778451"/>
+                <a:gd name="adj2" fmla="val 21400302"/>
+              </a:avLst>
+            </a:prstGeom>
+            <a:ln>
+              <a:solidFill>
+                <a:srgbClr val="0070C0"/>
+              </a:solidFill>
+              <a:headEnd type="stealth" w="sm" len="med"/>
+              <a:tailEnd type="none"/>
+            </a:ln>
+          </p:spPr>
+          <p:style>
+            <a:lnRef idx="1">
+              <a:schemeClr val="accent1"/>
+            </a:lnRef>
+            <a:fillRef idx="0">
+              <a:schemeClr val="accent1"/>
+            </a:fillRef>
+            <a:effectRef idx="0">
+              <a:schemeClr val="accent1"/>
+            </a:effectRef>
+            <a:fontRef idx="minor">
+              <a:schemeClr val="tx1"/>
+            </a:fontRef>
+          </p:style>
+          <p:txBody>
+            <a:bodyPr rtlCol="0" anchor="ctr"/>
+            <a:lstStyle/>
+            <a:p>
+              <a:pPr algn="ctr"/>
+              <a:endParaRPr lang="fr-FR"/>
+            </a:p>
+          </p:txBody>
+        </p:sp>
+        <mc:AlternateContent xmlns:mc="http://schemas.openxmlformats.org/markup-compatibility/2006" xmlns:a14="http://schemas.microsoft.com/office/drawing/2010/main">
+          <mc:Choice Requires="a14">
+            <p:sp>
+              <p:nvSpPr>
+                <p:cNvPr id="110" name="ZoneTexte 109"/>
+                <p:cNvSpPr txBox="1"/>
+                <p:nvPr/>
+              </p:nvSpPr>
+              <p:spPr>
+                <a:xfrm>
+                  <a:off x="2006135" y="2336418"/>
+                  <a:ext cx="340991" cy="246221"/>
+                </a:xfrm>
+                <a:prstGeom prst="rect">
+                  <a:avLst/>
+                </a:prstGeom>
+                <a:noFill/>
+              </p:spPr>
+              <p:txBody>
+                <a:bodyPr wrap="none" rtlCol="0">
+                  <a:spAutoFit/>
+                </a:bodyPr>
+                <a:lstStyle/>
+                <a:p>
+                  <a:pPr/>
+                  <a14:m>
+                    <m:oMathPara xmlns:m="http://schemas.openxmlformats.org/officeDocument/2006/math">
+                      <m:oMathParaPr>
+                        <m:jc m:val="centerGroup"/>
+                      </m:oMathParaPr>
+                      <m:oMath xmlns:m="http://schemas.openxmlformats.org/officeDocument/2006/math">
+                        <m:sSub>
+                          <m:sSubPr>
+                            <m:ctrlPr>
+                              <a:rPr lang="fr-FR" sz="1000" b="0" i="1" smtClean="0">
+                                <a:latin typeface="Cambria Math"/>
+                              </a:rPr>
+                            </m:ctrlPr>
+                          </m:sSubPr>
+                          <m:e>
+                            <m:r>
+                              <a:rPr lang="fr-FR" sz="1000" b="0" i="1" smtClean="0">
+                                <a:latin typeface="Cambria Math"/>
+                              </a:rPr>
+                              <m:t>𝜃</m:t>
+                            </m:r>
+                          </m:e>
+                          <m:sub>
+                            <m:r>
+                              <a:rPr lang="fr-FR" sz="1000" b="0" i="1" smtClean="0">
+                                <a:latin typeface="Cambria Math"/>
+                              </a:rPr>
+                              <m:t>3</m:t>
+                            </m:r>
+                          </m:sub>
+                        </m:sSub>
+                      </m:oMath>
+                    </m:oMathPara>
+                  </a14:m>
+                  <a:endParaRPr lang="fr-FR" sz="1000" dirty="0"/>
+                </a:p>
+              </p:txBody>
+            </p:sp>
+          </mc:Choice>
+          <mc:Fallback xmlns="">
+            <p:sp>
+              <p:nvSpPr>
+                <p:cNvPr id="110" name="ZoneTexte 109"/>
+                <p:cNvSpPr txBox="1">
+                  <a:spLocks noRot="1" noChangeAspect="1" noMove="1" noResize="1" noEditPoints="1" noAdjustHandles="1" noChangeArrowheads="1" noChangeShapeType="1" noTextEdit="1"/>
+                </p:cNvSpPr>
+                <p:nvPr/>
+              </p:nvSpPr>
+              <p:spPr>
+                <a:xfrm>
+                  <a:off x="2006135" y="2336418"/>
+                  <a:ext cx="340991" cy="246221"/>
+                </a:xfrm>
+                <a:prstGeom prst="rect">
+                  <a:avLst/>
+                </a:prstGeom>
+                <a:blipFill rotWithShape="1">
+                  <a:blip r:embed="rId16"/>
+                  <a:stretch>
+                    <a:fillRect/>
+                  </a:stretch>
+                </a:blipFill>
+              </p:spPr>
+              <p:txBody>
+                <a:bodyPr/>
+                <a:lstStyle/>
+                <a:p>
+                  <a:r>
+                    <a:rPr lang="fr-FR">
+                      <a:noFill/>
+                    </a:rPr>
+                    <a:t> </a:t>
+                  </a:r>
+                </a:p>
+              </p:txBody>
+            </p:sp>
+          </mc:Fallback>
+        </mc:AlternateContent>
+      </p:grpSp>
+      <p:grpSp>
+        <p:nvGrpSpPr>
+          <p:cNvPr id="118" name="Groupe 117"/>
+          <p:cNvGrpSpPr/>
+          <p:nvPr/>
+        </p:nvGrpSpPr>
+        <p:grpSpPr>
+          <a:xfrm>
+            <a:off x="2557218" y="2870227"/>
+            <a:ext cx="1623788" cy="1501906"/>
+            <a:chOff x="1112296" y="1779954"/>
+            <a:chExt cx="1623788" cy="1501906"/>
+          </a:xfrm>
+        </p:grpSpPr>
+        <p:grpSp>
+          <p:nvGrpSpPr>
+            <p:cNvPr id="119" name="Groupe 118"/>
+            <p:cNvGrpSpPr/>
+            <p:nvPr/>
+          </p:nvGrpSpPr>
+          <p:grpSpPr>
+            <a:xfrm>
+              <a:off x="1250031" y="1779954"/>
+              <a:ext cx="1486053" cy="1055968"/>
+              <a:chOff x="2319658" y="2219905"/>
+              <a:chExt cx="1486053" cy="1055968"/>
+            </a:xfrm>
+          </p:grpSpPr>
+          <p:grpSp>
+            <p:nvGrpSpPr>
+              <p:cNvPr id="127" name="Groupe 126"/>
+              <p:cNvGrpSpPr/>
+              <p:nvPr/>
+            </p:nvGrpSpPr>
+            <p:grpSpPr>
+              <a:xfrm>
+                <a:off x="2751525" y="2420888"/>
+                <a:ext cx="729461" cy="731875"/>
+                <a:chOff x="3317032" y="2996951"/>
+                <a:chExt cx="729461" cy="731875"/>
+              </a:xfrm>
+            </p:grpSpPr>
+            <p:cxnSp>
+              <p:nvCxnSpPr>
+                <p:cNvPr id="130" name="Connecteur droit 129"/>
+                <p:cNvCxnSpPr/>
+                <p:nvPr/>
+              </p:nvCxnSpPr>
+              <p:spPr>
+                <a:xfrm>
+                  <a:off x="3317032" y="3728826"/>
+                  <a:ext cx="729461" cy="0"/>
+                </a:xfrm>
+                <a:prstGeom prst="line">
+                  <a:avLst/>
+                </a:prstGeom>
+                <a:ln w="28575">
+                  <a:solidFill>
+                    <a:schemeClr val="tx1"/>
+                  </a:solidFill>
+                  <a:tailEnd type="stealth" w="med" len="lg"/>
+                </a:ln>
+              </p:spPr>
+              <p:style>
+                <a:lnRef idx="1">
+                  <a:schemeClr val="accent1"/>
+                </a:lnRef>
+                <a:fillRef idx="0">
+                  <a:schemeClr val="accent1"/>
+                </a:fillRef>
+                <a:effectRef idx="0">
+                  <a:schemeClr val="accent1"/>
+                </a:effectRef>
+                <a:fontRef idx="minor">
+                  <a:schemeClr val="tx1"/>
+                </a:fontRef>
+              </p:style>
+            </p:cxnSp>
+            <p:cxnSp>
+              <p:nvCxnSpPr>
+                <p:cNvPr id="131" name="Connecteur droit 130"/>
+                <p:cNvCxnSpPr/>
+                <p:nvPr/>
+              </p:nvCxnSpPr>
+              <p:spPr>
+                <a:xfrm rot="16200000">
+                  <a:off x="2952302" y="3361682"/>
+                  <a:ext cx="729461" cy="0"/>
+                </a:xfrm>
+                <a:prstGeom prst="line">
+                  <a:avLst/>
+                </a:prstGeom>
+                <a:ln w="28575">
+                  <a:solidFill>
+                    <a:schemeClr val="tx1"/>
+                  </a:solidFill>
+                  <a:tailEnd type="stealth" w="med" len="lg"/>
+                </a:ln>
+              </p:spPr>
+              <p:style>
+                <a:lnRef idx="1">
+                  <a:schemeClr val="accent1"/>
+                </a:lnRef>
+                <a:fillRef idx="0">
+                  <a:schemeClr val="accent1"/>
+                </a:fillRef>
+                <a:effectRef idx="0">
+                  <a:schemeClr val="accent1"/>
+                </a:effectRef>
+                <a:fontRef idx="minor">
+                  <a:schemeClr val="tx1"/>
+                </a:fontRef>
+              </p:style>
+            </p:cxnSp>
+          </p:grpSp>
+          <mc:AlternateContent xmlns:mc="http://schemas.openxmlformats.org/markup-compatibility/2006" xmlns:a14="http://schemas.microsoft.com/office/drawing/2010/main">
+            <mc:Choice Requires="a14">
+              <p:sp>
+                <p:nvSpPr>
+                  <p:cNvPr id="128" name="ZoneTexte 127"/>
+                  <p:cNvSpPr txBox="1"/>
+                  <p:nvPr/>
+                </p:nvSpPr>
+                <p:spPr>
+                  <a:xfrm>
+                    <a:off x="3464720" y="3029652"/>
+                    <a:ext cx="340991" cy="246221"/>
+                  </a:xfrm>
+                  <a:prstGeom prst="rect">
+                    <a:avLst/>
+                  </a:prstGeom>
+                  <a:noFill/>
+                </p:spPr>
+                <p:txBody>
+                  <a:bodyPr wrap="none" rtlCol="0">
+                    <a:spAutoFit/>
+                  </a:bodyPr>
+                  <a:lstStyle/>
+                  <a:p>
+                    <a:pPr/>
+                    <a14:m>
+                      <m:oMathPara xmlns:m="http://schemas.openxmlformats.org/officeDocument/2006/math">
+                        <m:oMathParaPr>
+                          <m:jc m:val="centerGroup"/>
+                        </m:oMathParaPr>
+                        <m:oMath xmlns:m="http://schemas.openxmlformats.org/officeDocument/2006/math">
+                          <m:acc>
+                            <m:accPr>
+                              <m:chr m:val="⃗"/>
+                              <m:ctrlPr>
+                                <a:rPr lang="fr-FR" sz="1000" i="1" smtClean="0">
+                                  <a:latin typeface="Cambria Math"/>
+                                </a:rPr>
+                              </m:ctrlPr>
+                            </m:accPr>
+                            <m:e>
+                              <m:sSub>
+                                <m:sSubPr>
+                                  <m:ctrlPr>
+                                    <a:rPr lang="fr-FR" sz="1000" b="0" i="1" smtClean="0">
+                                      <a:latin typeface="Cambria Math"/>
+                                    </a:rPr>
+                                  </m:ctrlPr>
+                                </m:sSubPr>
+                                <m:e>
+                                  <m:r>
+                                    <a:rPr lang="fr-FR" sz="1000" b="0" i="1" smtClean="0">
+                                      <a:latin typeface="Cambria Math"/>
+                                    </a:rPr>
+                                    <m:t>𝑥</m:t>
+                                  </m:r>
+                                </m:e>
+                                <m:sub>
+                                  <m:r>
+                                    <a:rPr lang="fr-FR" sz="1000" b="0" i="1" smtClean="0">
+                                      <a:latin typeface="Cambria Math"/>
+                                    </a:rPr>
+                                    <m:t>0</m:t>
+                                  </m:r>
+                                </m:sub>
+                              </m:sSub>
+                            </m:e>
+                          </m:acc>
+                        </m:oMath>
+                      </m:oMathPara>
+                    </a14:m>
+                    <a:endParaRPr lang="fr-FR" sz="1000" dirty="0"/>
+                  </a:p>
+                </p:txBody>
+              </p:sp>
+            </mc:Choice>
+            <mc:Fallback xmlns="">
+              <p:sp>
+                <p:nvSpPr>
+                  <p:cNvPr id="128" name="ZoneTexte 127"/>
+                  <p:cNvSpPr txBox="1">
+                    <a:spLocks noRot="1" noChangeAspect="1" noMove="1" noResize="1" noEditPoints="1" noAdjustHandles="1" noChangeArrowheads="1" noChangeShapeType="1" noTextEdit="1"/>
+                  </p:cNvSpPr>
+                  <p:nvPr/>
+                </p:nvSpPr>
+                <p:spPr>
+                  <a:xfrm>
+                    <a:off x="3464720" y="3029652"/>
+                    <a:ext cx="340991" cy="246221"/>
+                  </a:xfrm>
+                  <a:prstGeom prst="rect">
+                    <a:avLst/>
+                  </a:prstGeom>
+                  <a:blipFill rotWithShape="1">
+                    <a:blip r:embed="rId17"/>
+                    <a:stretch>
+                      <a:fillRect/>
+                    </a:stretch>
+                  </a:blipFill>
+                </p:spPr>
+                <p:txBody>
+                  <a:bodyPr/>
+                  <a:lstStyle/>
+                  <a:p>
+                    <a:r>
+                      <a:rPr lang="fr-FR">
+                        <a:noFill/>
+                      </a:rPr>
+                      <a:t> </a:t>
+                    </a:r>
+                  </a:p>
+                </p:txBody>
+              </p:sp>
+            </mc:Fallback>
+          </mc:AlternateContent>
+          <mc:AlternateContent xmlns:mc="http://schemas.openxmlformats.org/markup-compatibility/2006" xmlns:a14="http://schemas.microsoft.com/office/drawing/2010/main">
+            <mc:Choice Requires="a14">
+              <p:sp>
+                <p:nvSpPr>
+                  <p:cNvPr id="129" name="ZoneTexte 128"/>
+                  <p:cNvSpPr txBox="1"/>
+                  <p:nvPr/>
+                </p:nvSpPr>
+                <p:spPr>
+                  <a:xfrm>
+                    <a:off x="2319658" y="2219905"/>
+                    <a:ext cx="341568" cy="246221"/>
+                  </a:xfrm>
+                  <a:prstGeom prst="rect">
+                    <a:avLst/>
+                  </a:prstGeom>
+                  <a:noFill/>
+                </p:spPr>
+                <p:txBody>
+                  <a:bodyPr wrap="none" rtlCol="0">
+                    <a:spAutoFit/>
+                  </a:bodyPr>
+                  <a:lstStyle/>
+                  <a:p>
+                    <a:pPr/>
+                    <a14:m>
+                      <m:oMathPara xmlns:m="http://schemas.openxmlformats.org/officeDocument/2006/math">
+                        <m:oMathParaPr>
+                          <m:jc m:val="centerGroup"/>
+                        </m:oMathParaPr>
+                        <m:oMath xmlns:m="http://schemas.openxmlformats.org/officeDocument/2006/math">
+                          <m:acc>
+                            <m:accPr>
+                              <m:chr m:val="⃗"/>
+                              <m:ctrlPr>
+                                <a:rPr lang="fr-FR" sz="1000" i="1" smtClean="0">
+                                  <a:latin typeface="Cambria Math"/>
+                                </a:rPr>
+                              </m:ctrlPr>
+                            </m:accPr>
+                            <m:e>
+                              <m:sSub>
+                                <m:sSubPr>
+                                  <m:ctrlPr>
+                                    <a:rPr lang="fr-FR" sz="1000" b="0" i="1" smtClean="0">
+                                      <a:latin typeface="Cambria Math"/>
+                                    </a:rPr>
+                                  </m:ctrlPr>
+                                </m:sSubPr>
+                                <m:e>
+                                  <m:r>
+                                    <a:rPr lang="fr-FR" sz="1000" b="0" i="1" smtClean="0">
+                                      <a:latin typeface="Cambria Math"/>
+                                    </a:rPr>
+                                    <m:t>𝑦</m:t>
+                                  </m:r>
+                                </m:e>
+                                <m:sub>
+                                  <m:r>
+                                    <a:rPr lang="fr-FR" sz="1000" b="0" i="1" smtClean="0">
+                                      <a:latin typeface="Cambria Math"/>
+                                    </a:rPr>
+                                    <m:t>3</m:t>
+                                  </m:r>
+                                </m:sub>
+                              </m:sSub>
+                            </m:e>
+                          </m:acc>
+                        </m:oMath>
+                      </m:oMathPara>
+                    </a14:m>
+                    <a:endParaRPr lang="fr-FR" sz="1000" dirty="0"/>
+                  </a:p>
+                </p:txBody>
+              </p:sp>
+            </mc:Choice>
+            <mc:Fallback xmlns="">
+              <p:sp>
+                <p:nvSpPr>
+                  <p:cNvPr id="129" name="ZoneTexte 128"/>
+                  <p:cNvSpPr txBox="1">
+                    <a:spLocks noRot="1" noChangeAspect="1" noMove="1" noResize="1" noEditPoints="1" noAdjustHandles="1" noChangeArrowheads="1" noChangeShapeType="1" noTextEdit="1"/>
+                  </p:cNvSpPr>
+                  <p:nvPr/>
+                </p:nvSpPr>
+                <p:spPr>
+                  <a:xfrm>
+                    <a:off x="2319658" y="2219905"/>
+                    <a:ext cx="341568" cy="246221"/>
+                  </a:xfrm>
+                  <a:prstGeom prst="rect">
+                    <a:avLst/>
+                  </a:prstGeom>
+                  <a:blipFill rotWithShape="1">
+                    <a:blip r:embed="rId18"/>
+                    <a:stretch>
+                      <a:fillRect/>
+                    </a:stretch>
+                  </a:blipFill>
+                </p:spPr>
+                <p:txBody>
+                  <a:bodyPr/>
+                  <a:lstStyle/>
+                  <a:p>
+                    <a:r>
+                      <a:rPr lang="fr-FR">
+                        <a:noFill/>
+                      </a:rPr>
+                      <a:t> </a:t>
+                    </a:r>
+                  </a:p>
+                </p:txBody>
+              </p:sp>
+            </mc:Fallback>
+          </mc:AlternateContent>
+        </p:grpSp>
+        <p:grpSp>
+          <p:nvGrpSpPr>
+            <p:cNvPr id="120" name="Groupe 119"/>
+            <p:cNvGrpSpPr/>
+            <p:nvPr/>
+          </p:nvGrpSpPr>
+          <p:grpSpPr>
+            <a:xfrm rot="20700000">
+              <a:off x="1579482" y="1888737"/>
+              <a:ext cx="729461" cy="731875"/>
+              <a:chOff x="3317032" y="2996951"/>
+              <a:chExt cx="729461" cy="731875"/>
+            </a:xfrm>
+          </p:grpSpPr>
+          <p:cxnSp>
+            <p:nvCxnSpPr>
+              <p:cNvPr id="125" name="Connecteur droit 124"/>
+              <p:cNvCxnSpPr/>
+              <p:nvPr/>
+            </p:nvCxnSpPr>
+            <p:spPr>
+              <a:xfrm>
+                <a:off x="3317032" y="3728826"/>
+                <a:ext cx="729461" cy="0"/>
+              </a:xfrm>
+              <a:prstGeom prst="line">
+                <a:avLst/>
+              </a:prstGeom>
+              <a:ln w="28575">
+                <a:solidFill>
+                  <a:srgbClr val="0070C0"/>
+                </a:solidFill>
+                <a:tailEnd type="stealth" w="med" len="lg"/>
+              </a:ln>
+            </p:spPr>
+            <p:style>
+              <a:lnRef idx="1">
+                <a:schemeClr val="accent1"/>
+              </a:lnRef>
+              <a:fillRef idx="0">
+                <a:schemeClr val="accent1"/>
+              </a:fillRef>
+              <a:effectRef idx="0">
+                <a:schemeClr val="accent1"/>
+              </a:effectRef>
+              <a:fontRef idx="minor">
+                <a:schemeClr val="tx1"/>
+              </a:fontRef>
+            </p:style>
+          </p:cxnSp>
+          <p:cxnSp>
+            <p:nvCxnSpPr>
+              <p:cNvPr id="126" name="Connecteur droit 125"/>
+              <p:cNvCxnSpPr/>
+              <p:nvPr/>
+            </p:nvCxnSpPr>
+            <p:spPr>
+              <a:xfrm rot="16200000">
+                <a:off x="2952302" y="3361682"/>
+                <a:ext cx="729461" cy="0"/>
+              </a:xfrm>
+              <a:prstGeom prst="line">
+                <a:avLst/>
+              </a:prstGeom>
+              <a:ln w="28575">
+                <a:solidFill>
+                  <a:srgbClr val="0070C0"/>
+                </a:solidFill>
+                <a:tailEnd type="stealth" w="med" len="lg"/>
+              </a:ln>
+            </p:spPr>
+            <p:style>
+              <a:lnRef idx="1">
+                <a:schemeClr val="accent1"/>
+              </a:lnRef>
+              <a:fillRef idx="0">
+                <a:schemeClr val="accent1"/>
+              </a:fillRef>
+              <a:effectRef idx="0">
+                <a:schemeClr val="accent1"/>
+              </a:effectRef>
+              <a:fontRef idx="minor">
+                <a:schemeClr val="tx1"/>
+              </a:fontRef>
+            </p:style>
+          </p:cxnSp>
+        </p:grpSp>
+        <mc:AlternateContent xmlns:mc="http://schemas.openxmlformats.org/markup-compatibility/2006" xmlns:a14="http://schemas.microsoft.com/office/drawing/2010/main">
+          <mc:Choice Requires="a14">
+            <p:sp>
+              <p:nvSpPr>
+                <p:cNvPr id="121" name="ZoneTexte 120"/>
+                <p:cNvSpPr txBox="1"/>
+                <p:nvPr/>
+              </p:nvSpPr>
+              <p:spPr>
+                <a:xfrm>
+                  <a:off x="2386723" y="2361922"/>
+                  <a:ext cx="340991" cy="246221"/>
+                </a:xfrm>
+                <a:prstGeom prst="rect">
+                  <a:avLst/>
+                </a:prstGeom>
+                <a:noFill/>
+              </p:spPr>
+              <p:txBody>
+                <a:bodyPr wrap="none" rtlCol="0">
+                  <a:spAutoFit/>
+                </a:bodyPr>
+                <a:lstStyle/>
+                <a:p>
+                  <a:pPr/>
+                  <a14:m>
+                    <m:oMathPara xmlns:m="http://schemas.openxmlformats.org/officeDocument/2006/math">
+                      <m:oMathParaPr>
+                        <m:jc m:val="centerGroup"/>
+                      </m:oMathParaPr>
+                      <m:oMath xmlns:m="http://schemas.openxmlformats.org/officeDocument/2006/math">
+                        <m:acc>
+                          <m:accPr>
+                            <m:chr m:val="⃗"/>
+                            <m:ctrlPr>
+                              <a:rPr lang="fr-FR" sz="1000" i="1" smtClean="0">
+                                <a:latin typeface="Cambria Math"/>
+                              </a:rPr>
+                            </m:ctrlPr>
+                          </m:accPr>
+                          <m:e>
+                            <m:sSub>
+                              <m:sSubPr>
+                                <m:ctrlPr>
+                                  <a:rPr lang="fr-FR" sz="1000" b="0" i="1" smtClean="0">
+                                    <a:latin typeface="Cambria Math"/>
+                                  </a:rPr>
+                                </m:ctrlPr>
+                              </m:sSubPr>
+                              <m:e>
+                                <m:r>
+                                  <a:rPr lang="fr-FR" sz="1000" b="0" i="1" smtClean="0">
+                                    <a:latin typeface="Cambria Math"/>
+                                  </a:rPr>
+                                  <m:t>𝑥</m:t>
+                                </m:r>
+                              </m:e>
+                              <m:sub>
+                                <m:r>
+                                  <a:rPr lang="fr-FR" sz="1000" b="0" i="1" smtClean="0">
+                                    <a:latin typeface="Cambria Math"/>
+                                  </a:rPr>
+                                  <m:t>3</m:t>
+                                </m:r>
+                              </m:sub>
+                            </m:sSub>
+                          </m:e>
+                        </m:acc>
+                      </m:oMath>
+                    </m:oMathPara>
+                  </a14:m>
+                  <a:endParaRPr lang="fr-FR" sz="1000" dirty="0"/>
+                </a:p>
+              </p:txBody>
+            </p:sp>
+          </mc:Choice>
+          <mc:Fallback xmlns="">
+            <p:sp>
+              <p:nvSpPr>
+                <p:cNvPr id="121" name="ZoneTexte 120"/>
+                <p:cNvSpPr txBox="1">
+                  <a:spLocks noRot="1" noChangeAspect="1" noMove="1" noResize="1" noEditPoints="1" noAdjustHandles="1" noChangeArrowheads="1" noChangeShapeType="1" noTextEdit="1"/>
+                </p:cNvSpPr>
+                <p:nvPr/>
+              </p:nvSpPr>
+              <p:spPr>
+                <a:xfrm>
+                  <a:off x="2386723" y="2361922"/>
+                  <a:ext cx="340991" cy="246221"/>
+                </a:xfrm>
+                <a:prstGeom prst="rect">
+                  <a:avLst/>
+                </a:prstGeom>
+                <a:blipFill rotWithShape="1">
+                  <a:blip r:embed="rId19"/>
+                  <a:stretch>
+                    <a:fillRect/>
+                  </a:stretch>
+                </a:blipFill>
+              </p:spPr>
+              <p:txBody>
+                <a:bodyPr/>
+                <a:lstStyle/>
+                <a:p>
+                  <a:r>
+                    <a:rPr lang="fr-FR">
+                      <a:noFill/>
+                    </a:rPr>
+                    <a:t> </a:t>
+                  </a:r>
+                </a:p>
+              </p:txBody>
+            </p:sp>
+          </mc:Fallback>
+        </mc:AlternateContent>
+        <mc:AlternateContent xmlns:mc="http://schemas.openxmlformats.org/markup-compatibility/2006" xmlns:a14="http://schemas.microsoft.com/office/drawing/2010/main">
+          <mc:Choice Requires="a14">
+            <p:sp>
+              <p:nvSpPr>
+                <p:cNvPr id="122" name="ZoneTexte 121"/>
+                <p:cNvSpPr txBox="1"/>
+                <p:nvPr/>
+              </p:nvSpPr>
+              <p:spPr>
+                <a:xfrm>
+                  <a:off x="1511115" y="1779955"/>
+                  <a:ext cx="341567" cy="246221"/>
+                </a:xfrm>
+                <a:prstGeom prst="rect">
+                  <a:avLst/>
+                </a:prstGeom>
+                <a:noFill/>
+              </p:spPr>
+              <p:txBody>
+                <a:bodyPr wrap="none" rtlCol="0">
+                  <a:spAutoFit/>
+                </a:bodyPr>
+                <a:lstStyle/>
+                <a:p>
+                  <a:pPr/>
+                  <a14:m>
+                    <m:oMathPara xmlns:m="http://schemas.openxmlformats.org/officeDocument/2006/math">
+                      <m:oMathParaPr>
+                        <m:jc m:val="centerGroup"/>
+                      </m:oMathParaPr>
+                      <m:oMath xmlns:m="http://schemas.openxmlformats.org/officeDocument/2006/math">
+                        <m:acc>
+                          <m:accPr>
+                            <m:chr m:val="⃗"/>
+                            <m:ctrlPr>
+                              <a:rPr lang="fr-FR" sz="1000" i="1" smtClean="0">
+                                <a:latin typeface="Cambria Math"/>
+                              </a:rPr>
+                            </m:ctrlPr>
+                          </m:accPr>
+                          <m:e>
+                            <m:sSub>
+                              <m:sSubPr>
+                                <m:ctrlPr>
+                                  <a:rPr lang="fr-FR" sz="1000" b="0" i="1" smtClean="0">
+                                    <a:latin typeface="Cambria Math"/>
+                                  </a:rPr>
+                                </m:ctrlPr>
+                              </m:sSubPr>
+                              <m:e>
+                                <m:r>
+                                  <a:rPr lang="fr-FR" sz="1000" b="0" i="1" smtClean="0">
+                                    <a:latin typeface="Cambria Math"/>
+                                  </a:rPr>
+                                  <m:t>𝑦</m:t>
+                                </m:r>
+                              </m:e>
+                              <m:sub>
+                                <m:r>
+                                  <a:rPr lang="fr-FR" sz="1000" b="0" i="1" smtClean="0">
+                                    <a:latin typeface="Cambria Math"/>
+                                  </a:rPr>
+                                  <m:t>0</m:t>
+                                </m:r>
+                              </m:sub>
+                            </m:sSub>
+                          </m:e>
+                        </m:acc>
+                      </m:oMath>
+                    </m:oMathPara>
+                  </a14:m>
+                  <a:endParaRPr lang="fr-FR" sz="1000" dirty="0"/>
+                </a:p>
+              </p:txBody>
+            </p:sp>
+          </mc:Choice>
+          <mc:Fallback xmlns="">
+            <p:sp>
+              <p:nvSpPr>
+                <p:cNvPr id="122" name="ZoneTexte 121"/>
+                <p:cNvSpPr txBox="1">
+                  <a:spLocks noRot="1" noChangeAspect="1" noMove="1" noResize="1" noEditPoints="1" noAdjustHandles="1" noChangeArrowheads="1" noChangeShapeType="1" noTextEdit="1"/>
+                </p:cNvSpPr>
+                <p:nvPr/>
+              </p:nvSpPr>
+              <p:spPr>
+                <a:xfrm>
+                  <a:off x="1511115" y="1779955"/>
+                  <a:ext cx="341567" cy="246221"/>
+                </a:xfrm>
+                <a:prstGeom prst="rect">
+                  <a:avLst/>
+                </a:prstGeom>
+                <a:blipFill rotWithShape="1">
+                  <a:blip r:embed="rId20"/>
+                  <a:stretch>
+                    <a:fillRect/>
+                  </a:stretch>
+                </a:blipFill>
+              </p:spPr>
+              <p:txBody>
+                <a:bodyPr/>
+                <a:lstStyle/>
+                <a:p>
+                  <a:r>
+                    <a:rPr lang="fr-FR">
+                      <a:noFill/>
+                    </a:rPr>
+                    <a:t> </a:t>
+                  </a:r>
+                </a:p>
+              </p:txBody>
+            </p:sp>
+          </mc:Fallback>
+        </mc:AlternateContent>
+        <p:sp>
+          <p:nvSpPr>
+            <p:cNvPr id="123" name="Arc 122"/>
+            <p:cNvSpPr/>
+            <p:nvPr/>
+          </p:nvSpPr>
+          <p:spPr>
+            <a:xfrm>
+              <a:off x="1112296" y="2126412"/>
+              <a:ext cx="1155448" cy="1155448"/>
+            </a:xfrm>
+            <a:prstGeom prst="arc">
+              <a:avLst>
+                <a:gd name="adj1" fmla="val 20778451"/>
+                <a:gd name="adj2" fmla="val 21400302"/>
+              </a:avLst>
+            </a:prstGeom>
+            <a:ln>
+              <a:solidFill>
+                <a:srgbClr val="0070C0"/>
+              </a:solidFill>
+              <a:headEnd type="stealth" w="sm" len="med"/>
+              <a:tailEnd type="none"/>
+            </a:ln>
+          </p:spPr>
+          <p:style>
+            <a:lnRef idx="1">
+              <a:schemeClr val="accent1"/>
+            </a:lnRef>
+            <a:fillRef idx="0">
+              <a:schemeClr val="accent1"/>
+            </a:fillRef>
+            <a:effectRef idx="0">
+              <a:schemeClr val="accent1"/>
+            </a:effectRef>
+            <a:fontRef idx="minor">
+              <a:schemeClr val="tx1"/>
+            </a:fontRef>
+          </p:style>
+          <p:txBody>
+            <a:bodyPr rtlCol="0" anchor="ctr"/>
+            <a:lstStyle/>
+            <a:p>
+              <a:pPr algn="ctr"/>
+              <a:endParaRPr lang="fr-FR"/>
+            </a:p>
+          </p:txBody>
+        </p:sp>
+        <mc:AlternateContent xmlns:mc="http://schemas.openxmlformats.org/markup-compatibility/2006" xmlns:a14="http://schemas.microsoft.com/office/drawing/2010/main">
+          <mc:Choice Requires="a14">
+            <p:sp>
+              <p:nvSpPr>
+                <p:cNvPr id="124" name="ZoneTexte 123"/>
+                <p:cNvSpPr txBox="1"/>
+                <p:nvPr/>
+              </p:nvSpPr>
+              <p:spPr>
+                <a:xfrm>
+                  <a:off x="2006135" y="2336418"/>
+                  <a:ext cx="337978" cy="246221"/>
+                </a:xfrm>
+                <a:prstGeom prst="rect">
+                  <a:avLst/>
+                </a:prstGeom>
+                <a:noFill/>
+              </p:spPr>
+              <p:txBody>
+                <a:bodyPr wrap="none" rtlCol="0">
+                  <a:spAutoFit/>
+                </a:bodyPr>
+                <a:lstStyle/>
+                <a:p>
+                  <a:pPr/>
+                  <a14:m>
+                    <m:oMathPara xmlns:m="http://schemas.openxmlformats.org/officeDocument/2006/math">
+                      <m:oMathParaPr>
+                        <m:jc m:val="centerGroup"/>
+                      </m:oMathParaPr>
+                      <m:oMath xmlns:m="http://schemas.openxmlformats.org/officeDocument/2006/math">
+                        <m:sSub>
+                          <m:sSubPr>
+                            <m:ctrlPr>
+                              <a:rPr lang="fr-FR" sz="1000" b="0" i="1" smtClean="0">
+                                <a:latin typeface="Cambria Math"/>
+                              </a:rPr>
+                            </m:ctrlPr>
+                          </m:sSubPr>
+                          <m:e>
+                            <m:r>
+                              <a:rPr lang="fr-FR" sz="1000" b="0" i="1" smtClean="0">
+                                <a:latin typeface="Cambria Math"/>
+                              </a:rPr>
+                              <m:t>𝜃</m:t>
+                            </m:r>
+                          </m:e>
+                          <m:sub>
+                            <m:r>
+                              <a:rPr lang="fr-FR" sz="1000" b="0" i="1" smtClean="0">
+                                <a:latin typeface="Cambria Math"/>
+                              </a:rPr>
+                              <m:t>4</m:t>
+                            </m:r>
+                          </m:sub>
+                        </m:sSub>
+                      </m:oMath>
+                    </m:oMathPara>
+                  </a14:m>
+                  <a:endParaRPr lang="fr-FR" sz="1000" dirty="0"/>
+                </a:p>
+              </p:txBody>
+            </p:sp>
+          </mc:Choice>
+          <mc:Fallback xmlns="">
+            <p:sp>
+              <p:nvSpPr>
+                <p:cNvPr id="124" name="ZoneTexte 123"/>
+                <p:cNvSpPr txBox="1">
+                  <a:spLocks noRot="1" noChangeAspect="1" noMove="1" noResize="1" noEditPoints="1" noAdjustHandles="1" noChangeArrowheads="1" noChangeShapeType="1" noTextEdit="1"/>
+                </p:cNvSpPr>
+                <p:nvPr/>
+              </p:nvSpPr>
+              <p:spPr>
+                <a:xfrm>
+                  <a:off x="2006135" y="2336418"/>
+                  <a:ext cx="337978" cy="246221"/>
+                </a:xfrm>
+                <a:prstGeom prst="rect">
+                  <a:avLst/>
+                </a:prstGeom>
+                <a:blipFill rotWithShape="1">
+                  <a:blip r:embed="rId21"/>
+                  <a:stretch>
+                    <a:fillRect/>
+                  </a:stretch>
+                </a:blipFill>
+              </p:spPr>
+              <p:txBody>
+                <a:bodyPr/>
+                <a:lstStyle/>
+                <a:p>
+                  <a:r>
+                    <a:rPr lang="fr-FR">
+                      <a:noFill/>
+                    </a:rPr>
+                    <a:t> </a:t>
+                  </a:r>
+                </a:p>
+              </p:txBody>
+            </p:sp>
+          </mc:Fallback>
+        </mc:AlternateContent>
+      </p:grpSp>
+    </p:spTree>
+    <p:extLst>
+      <p:ext uri="{BB962C8B-B14F-4D97-AF65-F5344CB8AC3E}">
+        <p14:creationId xmlns:p14="http://schemas.microsoft.com/office/powerpoint/2010/main" val="3764664977"/>
+      </p:ext>
+    </p:extLst>
+  </p:cSld>
+  <p:clrMapOvr>
+    <a:masterClrMapping/>
+  </p:clrMapOvr>
+</p:sld>
+</file>
+
+<file path=ppt/slides/slide3.xml><?xml version="1.0" encoding="utf-8"?>
+<p:sld xmlns:a="http://schemas.openxmlformats.org/drawingml/2006/main" xmlns:r="http://schemas.openxmlformats.org/officeDocument/2006/relationships" xmlns:p="http://schemas.openxmlformats.org/presentationml/2006/main">
+  <p:cSld>
+    <p:spTree>
+      <p:nvGrpSpPr>
+        <p:cNvPr id="1" name=""/>
+        <p:cNvGrpSpPr/>
+        <p:nvPr/>
+      </p:nvGrpSpPr>
+      <p:grpSpPr>
+        <a:xfrm>
+          <a:off x="0" y="0"/>
+          <a:ext cx="0" cy="0"/>
+          <a:chOff x="0" y="0"/>
+          <a:chExt cx="0" cy="0"/>
+        </a:xfrm>
+      </p:grpSpPr>
+      <p:grpSp>
+        <p:nvGrpSpPr>
+          <p:cNvPr id="4" name="Groupe 3"/>
+          <p:cNvGrpSpPr/>
+          <p:nvPr/>
+        </p:nvGrpSpPr>
+        <p:grpSpPr>
+          <a:xfrm>
+            <a:off x="1112296" y="1772816"/>
+            <a:ext cx="1623788" cy="1501906"/>
+            <a:chOff x="1112296" y="1779954"/>
+            <a:chExt cx="1623788" cy="1501906"/>
+          </a:xfrm>
+        </p:grpSpPr>
+        <p:grpSp>
+          <p:nvGrpSpPr>
+            <p:cNvPr id="50" name="Groupe 49"/>
+            <p:cNvGrpSpPr/>
+            <p:nvPr/>
+          </p:nvGrpSpPr>
+          <p:grpSpPr>
+            <a:xfrm>
+              <a:off x="1250031" y="1779954"/>
+              <a:ext cx="1486053" cy="1055968"/>
+              <a:chOff x="2319658" y="2219905"/>
+              <a:chExt cx="1486053" cy="1055968"/>
+            </a:xfrm>
+          </p:grpSpPr>
+          <p:grpSp>
+            <p:nvGrpSpPr>
+              <p:cNvPr id="44" name="Groupe 43"/>
+              <p:cNvGrpSpPr/>
+              <p:nvPr/>
+            </p:nvGrpSpPr>
+            <p:grpSpPr>
+              <a:xfrm>
+                <a:off x="2751525" y="2420888"/>
+                <a:ext cx="729461" cy="731875"/>
+                <a:chOff x="3317032" y="2996951"/>
+                <a:chExt cx="729461" cy="731875"/>
+              </a:xfrm>
+            </p:grpSpPr>
+            <p:cxnSp>
+              <p:nvCxnSpPr>
+                <p:cNvPr id="42" name="Connecteur droit 41"/>
+                <p:cNvCxnSpPr/>
+                <p:nvPr/>
+              </p:nvCxnSpPr>
+              <p:spPr>
+                <a:xfrm>
+                  <a:off x="3317032" y="3728826"/>
+                  <a:ext cx="729461" cy="0"/>
+                </a:xfrm>
+                <a:prstGeom prst="line">
+                  <a:avLst/>
+                </a:prstGeom>
+                <a:ln w="28575">
+                  <a:solidFill>
+                    <a:schemeClr val="tx1"/>
+                  </a:solidFill>
+                  <a:tailEnd type="stealth" w="med" len="lg"/>
+                </a:ln>
+              </p:spPr>
+              <p:style>
+                <a:lnRef idx="1">
+                  <a:schemeClr val="accent1"/>
+                </a:lnRef>
+                <a:fillRef idx="0">
+                  <a:schemeClr val="accent1"/>
+                </a:fillRef>
+                <a:effectRef idx="0">
+                  <a:schemeClr val="accent1"/>
+                </a:effectRef>
+                <a:fontRef idx="minor">
+                  <a:schemeClr val="tx1"/>
+                </a:fontRef>
+              </p:style>
+            </p:cxnSp>
+            <p:cxnSp>
+              <p:nvCxnSpPr>
+                <p:cNvPr id="45" name="Connecteur droit 44"/>
+                <p:cNvCxnSpPr/>
+                <p:nvPr/>
+              </p:nvCxnSpPr>
+              <p:spPr>
+                <a:xfrm rot="16200000">
+                  <a:off x="2952302" y="3361682"/>
+                  <a:ext cx="729461" cy="0"/>
+                </a:xfrm>
+                <a:prstGeom prst="line">
+                  <a:avLst/>
+                </a:prstGeom>
+                <a:ln w="28575">
+                  <a:solidFill>
+                    <a:schemeClr val="tx1"/>
+                  </a:solidFill>
+                  <a:tailEnd type="stealth" w="med" len="lg"/>
+                </a:ln>
+              </p:spPr>
+              <p:style>
+                <a:lnRef idx="1">
+                  <a:schemeClr val="accent1"/>
+                </a:lnRef>
+                <a:fillRef idx="0">
+                  <a:schemeClr val="accent1"/>
+                </a:fillRef>
+                <a:effectRef idx="0">
+                  <a:schemeClr val="accent1"/>
+                </a:effectRef>
+                <a:fontRef idx="minor">
+                  <a:schemeClr val="tx1"/>
+                </a:fontRef>
+              </p:style>
+            </p:cxnSp>
+          </p:grpSp>
+          <mc:AlternateContent xmlns:mc="http://schemas.openxmlformats.org/markup-compatibility/2006" xmlns:a14="http://schemas.microsoft.com/office/drawing/2010/main">
+            <mc:Choice Requires="a14">
+              <p:sp>
+                <p:nvSpPr>
+                  <p:cNvPr id="46" name="ZoneTexte 45"/>
+                  <p:cNvSpPr txBox="1"/>
+                  <p:nvPr/>
+                </p:nvSpPr>
+                <p:spPr>
+                  <a:xfrm>
+                    <a:off x="3464720" y="3029652"/>
+                    <a:ext cx="340991" cy="246221"/>
+                  </a:xfrm>
+                  <a:prstGeom prst="rect">
+                    <a:avLst/>
+                  </a:prstGeom>
+                  <a:noFill/>
+                </p:spPr>
+                <p:txBody>
+                  <a:bodyPr wrap="none" rtlCol="0">
+                    <a:spAutoFit/>
+                  </a:bodyPr>
+                  <a:lstStyle/>
+                  <a:p>
+                    <a:pPr/>
+                    <a14:m>
+                      <m:oMathPara xmlns:m="http://schemas.openxmlformats.org/officeDocument/2006/math">
+                        <m:oMathParaPr>
+                          <m:jc m:val="centerGroup"/>
+                        </m:oMathParaPr>
+                        <m:oMath xmlns:m="http://schemas.openxmlformats.org/officeDocument/2006/math">
+                          <m:acc>
+                            <m:accPr>
+                              <m:chr m:val="⃗"/>
+                              <m:ctrlPr>
+                                <a:rPr lang="fr-FR" sz="1000" i="1" smtClean="0">
+                                  <a:latin typeface="Cambria Math"/>
+                                </a:rPr>
+                              </m:ctrlPr>
+                            </m:accPr>
+                            <m:e>
+                              <m:sSub>
+                                <m:sSubPr>
+                                  <m:ctrlPr>
+                                    <a:rPr lang="fr-FR" sz="1000" b="0" i="1" smtClean="0">
+                                      <a:latin typeface="Cambria Math"/>
+                                    </a:rPr>
+                                  </m:ctrlPr>
+                                </m:sSubPr>
+                                <m:e>
+                                  <m:r>
+                                    <a:rPr lang="fr-FR" sz="1000" b="0" i="1" smtClean="0">
+                                      <a:latin typeface="Cambria Math"/>
+                                    </a:rPr>
+                                    <m:t>𝑥</m:t>
+                                  </m:r>
+                                </m:e>
+                                <m:sub>
+                                  <m:r>
+                                    <a:rPr lang="fr-FR" sz="1000" b="0" i="1" smtClean="0">
+                                      <a:latin typeface="Cambria Math"/>
+                                    </a:rPr>
+                                    <m:t>0</m:t>
+                                  </m:r>
+                                </m:sub>
+                              </m:sSub>
+                            </m:e>
+                          </m:acc>
+                        </m:oMath>
+                      </m:oMathPara>
+                    </a14:m>
+                    <a:endParaRPr lang="fr-FR" sz="1000" dirty="0"/>
+                  </a:p>
+                </p:txBody>
+              </p:sp>
+            </mc:Choice>
+            <mc:Fallback xmlns="">
+              <p:sp>
+                <p:nvSpPr>
+                  <p:cNvPr id="46" name="ZoneTexte 45"/>
+                  <p:cNvSpPr txBox="1">
+                    <a:spLocks noRot="1" noChangeAspect="1" noMove="1" noResize="1" noEditPoints="1" noAdjustHandles="1" noChangeArrowheads="1" noChangeShapeType="1" noTextEdit="1"/>
+                  </p:cNvSpPr>
+                  <p:nvPr/>
+                </p:nvSpPr>
+                <p:spPr>
+                  <a:xfrm>
+                    <a:off x="3464720" y="3029652"/>
+                    <a:ext cx="340991" cy="246221"/>
+                  </a:xfrm>
+                  <a:prstGeom prst="rect">
+                    <a:avLst/>
+                  </a:prstGeom>
+                  <a:blipFill rotWithShape="1">
+                    <a:blip r:embed="rId2"/>
+                    <a:stretch>
+                      <a:fillRect/>
+                    </a:stretch>
+                  </a:blipFill>
+                </p:spPr>
+                <p:txBody>
+                  <a:bodyPr/>
+                  <a:lstStyle/>
+                  <a:p>
+                    <a:r>
+                      <a:rPr lang="fr-FR">
+                        <a:noFill/>
+                      </a:rPr>
+                      <a:t> </a:t>
+                    </a:r>
+                  </a:p>
+                </p:txBody>
+              </p:sp>
+            </mc:Fallback>
+          </mc:AlternateContent>
+          <mc:AlternateContent xmlns:mc="http://schemas.openxmlformats.org/markup-compatibility/2006" xmlns:a14="http://schemas.microsoft.com/office/drawing/2010/main">
+            <mc:Choice Requires="a14">
+              <p:sp>
+                <p:nvSpPr>
+                  <p:cNvPr id="51" name="ZoneTexte 50"/>
+                  <p:cNvSpPr txBox="1"/>
+                  <p:nvPr/>
+                </p:nvSpPr>
+                <p:spPr>
+                  <a:xfrm>
+                    <a:off x="2319658" y="2219905"/>
+                    <a:ext cx="338618" cy="246221"/>
+                  </a:xfrm>
+                  <a:prstGeom prst="rect">
+                    <a:avLst/>
+                  </a:prstGeom>
+                  <a:noFill/>
+                </p:spPr>
+                <p:txBody>
+                  <a:bodyPr wrap="none" rtlCol="0">
+                    <a:spAutoFit/>
+                  </a:bodyPr>
+                  <a:lstStyle/>
+                  <a:p>
+                    <a:pPr/>
+                    <a14:m>
+                      <m:oMathPara xmlns:m="http://schemas.openxmlformats.org/officeDocument/2006/math">
+                        <m:oMathParaPr>
+                          <m:jc m:val="centerGroup"/>
+                        </m:oMathParaPr>
+                        <m:oMath xmlns:m="http://schemas.openxmlformats.org/officeDocument/2006/math">
+                          <m:acc>
+                            <m:accPr>
+                              <m:chr m:val="⃗"/>
+                              <m:ctrlPr>
+                                <a:rPr lang="fr-FR" sz="1000" i="1" smtClean="0">
+                                  <a:latin typeface="Cambria Math"/>
+                                </a:rPr>
+                              </m:ctrlPr>
+                            </m:accPr>
+                            <m:e>
+                              <m:sSub>
+                                <m:sSubPr>
+                                  <m:ctrlPr>
+                                    <a:rPr lang="fr-FR" sz="1000" b="0" i="1" smtClean="0">
+                                      <a:latin typeface="Cambria Math"/>
+                                    </a:rPr>
+                                  </m:ctrlPr>
+                                </m:sSubPr>
+                                <m:e>
+                                  <m:r>
+                                    <a:rPr lang="fr-FR" sz="1000" b="0" i="1" smtClean="0">
+                                      <a:latin typeface="Cambria Math"/>
+                                    </a:rPr>
+                                    <m:t>𝑦</m:t>
+                                  </m:r>
+                                </m:e>
+                                <m:sub>
+                                  <m:r>
+                                    <a:rPr lang="fr-FR" sz="1000" b="0" i="1" smtClean="0">
+                                      <a:latin typeface="Cambria Math"/>
+                                    </a:rPr>
+                                    <m:t>1</m:t>
+                                  </m:r>
+                                </m:sub>
+                              </m:sSub>
+                            </m:e>
+                          </m:acc>
+                        </m:oMath>
+                      </m:oMathPara>
+                    </a14:m>
+                    <a:endParaRPr lang="fr-FR" sz="1000" dirty="0"/>
+                  </a:p>
+                </p:txBody>
+              </p:sp>
+            </mc:Choice>
+            <mc:Fallback xmlns="">
+              <p:sp>
+                <p:nvSpPr>
+                  <p:cNvPr id="51" name="ZoneTexte 50"/>
+                  <p:cNvSpPr txBox="1">
+                    <a:spLocks noRot="1" noChangeAspect="1" noMove="1" noResize="1" noEditPoints="1" noAdjustHandles="1" noChangeArrowheads="1" noChangeShapeType="1" noTextEdit="1"/>
+                  </p:cNvSpPr>
+                  <p:nvPr/>
+                </p:nvSpPr>
+                <p:spPr>
+                  <a:xfrm>
+                    <a:off x="2319658" y="2219905"/>
+                    <a:ext cx="338618" cy="246221"/>
+                  </a:xfrm>
+                  <a:prstGeom prst="rect">
+                    <a:avLst/>
+                  </a:prstGeom>
+                  <a:blipFill rotWithShape="1">
+                    <a:blip r:embed="rId3"/>
+                    <a:stretch>
+                      <a:fillRect/>
+                    </a:stretch>
+                  </a:blipFill>
+                </p:spPr>
+                <p:txBody>
+                  <a:bodyPr/>
+                  <a:lstStyle/>
+                  <a:p>
+                    <a:r>
+                      <a:rPr lang="fr-FR">
+                        <a:noFill/>
+                      </a:rPr>
+                      <a:t> </a:t>
+                    </a:r>
+                  </a:p>
+                </p:txBody>
+              </p:sp>
+            </mc:Fallback>
+          </mc:AlternateContent>
+        </p:grpSp>
+        <p:grpSp>
+          <p:nvGrpSpPr>
+            <p:cNvPr id="48" name="Groupe 47"/>
+            <p:cNvGrpSpPr/>
+            <p:nvPr/>
+          </p:nvGrpSpPr>
+          <p:grpSpPr>
+            <a:xfrm rot="20700000">
+              <a:off x="1579482" y="1888737"/>
+              <a:ext cx="729461" cy="731875"/>
+              <a:chOff x="3317032" y="2996951"/>
+              <a:chExt cx="729461" cy="731875"/>
+            </a:xfrm>
+          </p:grpSpPr>
+          <p:cxnSp>
+            <p:nvCxnSpPr>
+              <p:cNvPr id="53" name="Connecteur droit 52"/>
+              <p:cNvCxnSpPr/>
+              <p:nvPr/>
+            </p:nvCxnSpPr>
+            <p:spPr>
+              <a:xfrm>
+                <a:off x="3317032" y="3728826"/>
+                <a:ext cx="729461" cy="0"/>
+              </a:xfrm>
+              <a:prstGeom prst="line">
+                <a:avLst/>
+              </a:prstGeom>
+              <a:ln w="28575">
+                <a:solidFill>
+                  <a:srgbClr val="FFC000"/>
+                </a:solidFill>
+                <a:tailEnd type="stealth" w="med" len="lg"/>
+              </a:ln>
+            </p:spPr>
+            <p:style>
+              <a:lnRef idx="1">
+                <a:schemeClr val="accent1"/>
+              </a:lnRef>
+              <a:fillRef idx="0">
+                <a:schemeClr val="accent1"/>
+              </a:fillRef>
+              <a:effectRef idx="0">
+                <a:schemeClr val="accent1"/>
+              </a:effectRef>
+              <a:fontRef idx="minor">
+                <a:schemeClr val="tx1"/>
+              </a:fontRef>
+            </p:style>
+          </p:cxnSp>
+          <p:cxnSp>
+            <p:nvCxnSpPr>
+              <p:cNvPr id="62" name="Connecteur droit 61"/>
+              <p:cNvCxnSpPr/>
+              <p:nvPr/>
+            </p:nvCxnSpPr>
+            <p:spPr>
+              <a:xfrm rot="16200000">
+                <a:off x="2952302" y="3361682"/>
+                <a:ext cx="729461" cy="0"/>
+              </a:xfrm>
+              <a:prstGeom prst="line">
+                <a:avLst/>
+              </a:prstGeom>
+              <a:ln w="28575">
+                <a:solidFill>
+                  <a:srgbClr val="FFC000"/>
+                </a:solidFill>
+                <a:tailEnd type="stealth" w="med" len="lg"/>
+              </a:ln>
+            </p:spPr>
+            <p:style>
+              <a:lnRef idx="1">
+                <a:schemeClr val="accent1"/>
+              </a:lnRef>
+              <a:fillRef idx="0">
+                <a:schemeClr val="accent1"/>
+              </a:fillRef>
+              <a:effectRef idx="0">
+                <a:schemeClr val="accent1"/>
+              </a:effectRef>
+              <a:fontRef idx="minor">
+                <a:schemeClr val="tx1"/>
+              </a:fontRef>
+            </p:style>
+          </p:cxnSp>
+        </p:grpSp>
+        <mc:AlternateContent xmlns:mc="http://schemas.openxmlformats.org/markup-compatibility/2006" xmlns:a14="http://schemas.microsoft.com/office/drawing/2010/main">
+          <mc:Choice Requires="a14">
+            <p:sp>
+              <p:nvSpPr>
+                <p:cNvPr id="49" name="ZoneTexte 48"/>
+                <p:cNvSpPr txBox="1"/>
+                <p:nvPr/>
+              </p:nvSpPr>
+              <p:spPr>
+                <a:xfrm>
+                  <a:off x="2386723" y="2361922"/>
+                  <a:ext cx="338041" cy="246221"/>
+                </a:xfrm>
+                <a:prstGeom prst="rect">
+                  <a:avLst/>
+                </a:prstGeom>
+                <a:noFill/>
+              </p:spPr>
+              <p:txBody>
+                <a:bodyPr wrap="none" rtlCol="0">
+                  <a:spAutoFit/>
+                </a:bodyPr>
+                <a:lstStyle/>
+                <a:p>
+                  <a:pPr/>
+                  <a14:m>
+                    <m:oMathPara xmlns:m="http://schemas.openxmlformats.org/officeDocument/2006/math">
+                      <m:oMathParaPr>
+                        <m:jc m:val="centerGroup"/>
+                      </m:oMathParaPr>
+                      <m:oMath xmlns:m="http://schemas.openxmlformats.org/officeDocument/2006/math">
+                        <m:acc>
+                          <m:accPr>
+                            <m:chr m:val="⃗"/>
+                            <m:ctrlPr>
+                              <a:rPr lang="fr-FR" sz="1000" i="1" smtClean="0">
+                                <a:latin typeface="Cambria Math"/>
+                              </a:rPr>
+                            </m:ctrlPr>
+                          </m:accPr>
+                          <m:e>
+                            <m:sSub>
+                              <m:sSubPr>
+                                <m:ctrlPr>
+                                  <a:rPr lang="fr-FR" sz="1000" b="0" i="1" smtClean="0">
+                                    <a:latin typeface="Cambria Math"/>
+                                  </a:rPr>
+                                </m:ctrlPr>
+                              </m:sSubPr>
+                              <m:e>
+                                <m:r>
+                                  <a:rPr lang="fr-FR" sz="1000" b="0" i="1" smtClean="0">
+                                    <a:latin typeface="Cambria Math"/>
+                                  </a:rPr>
+                                  <m:t>𝑥</m:t>
+                                </m:r>
+                              </m:e>
+                              <m:sub>
+                                <m:r>
+                                  <a:rPr lang="fr-FR" sz="1000" b="0" i="1" smtClean="0">
+                                    <a:latin typeface="Cambria Math"/>
+                                  </a:rPr>
+                                  <m:t>1</m:t>
+                                </m:r>
+                              </m:sub>
+                            </m:sSub>
+                          </m:e>
+                        </m:acc>
+                      </m:oMath>
+                    </m:oMathPara>
+                  </a14:m>
+                  <a:endParaRPr lang="fr-FR" sz="1000" dirty="0"/>
+                </a:p>
+              </p:txBody>
+            </p:sp>
+          </mc:Choice>
+          <mc:Fallback xmlns="">
+            <p:sp>
+              <p:nvSpPr>
+                <p:cNvPr id="49" name="ZoneTexte 48"/>
+                <p:cNvSpPr txBox="1">
+                  <a:spLocks noRot="1" noChangeAspect="1" noMove="1" noResize="1" noEditPoints="1" noAdjustHandles="1" noChangeArrowheads="1" noChangeShapeType="1" noTextEdit="1"/>
+                </p:cNvSpPr>
+                <p:nvPr/>
+              </p:nvSpPr>
+              <p:spPr>
+                <a:xfrm>
+                  <a:off x="2386723" y="2361922"/>
+                  <a:ext cx="338041" cy="246221"/>
+                </a:xfrm>
+                <a:prstGeom prst="rect">
+                  <a:avLst/>
+                </a:prstGeom>
+                <a:blipFill rotWithShape="1">
+                  <a:blip r:embed="rId4"/>
+                  <a:stretch>
+                    <a:fillRect/>
+                  </a:stretch>
+                </a:blipFill>
+              </p:spPr>
+              <p:txBody>
+                <a:bodyPr/>
+                <a:lstStyle/>
+                <a:p>
+                  <a:r>
+                    <a:rPr lang="fr-FR">
+                      <a:noFill/>
+                    </a:rPr>
+                    <a:t> </a:t>
+                  </a:r>
+                </a:p>
+              </p:txBody>
+            </p:sp>
+          </mc:Fallback>
+        </mc:AlternateContent>
+        <mc:AlternateContent xmlns:mc="http://schemas.openxmlformats.org/markup-compatibility/2006" xmlns:a14="http://schemas.microsoft.com/office/drawing/2010/main">
+          <mc:Choice Requires="a14">
+            <p:sp>
+              <p:nvSpPr>
+                <p:cNvPr id="52" name="ZoneTexte 51"/>
+                <p:cNvSpPr txBox="1"/>
+                <p:nvPr/>
+              </p:nvSpPr>
+              <p:spPr>
+                <a:xfrm>
+                  <a:off x="1511115" y="1779955"/>
+                  <a:ext cx="341567" cy="246221"/>
+                </a:xfrm>
+                <a:prstGeom prst="rect">
+                  <a:avLst/>
+                </a:prstGeom>
+                <a:noFill/>
+              </p:spPr>
+              <p:txBody>
+                <a:bodyPr wrap="none" rtlCol="0">
+                  <a:spAutoFit/>
+                </a:bodyPr>
+                <a:lstStyle/>
+                <a:p>
+                  <a:pPr/>
+                  <a14:m>
+                    <m:oMathPara xmlns:m="http://schemas.openxmlformats.org/officeDocument/2006/math">
+                      <m:oMathParaPr>
+                        <m:jc m:val="centerGroup"/>
+                      </m:oMathParaPr>
+                      <m:oMath xmlns:m="http://schemas.openxmlformats.org/officeDocument/2006/math">
+                        <m:acc>
+                          <m:accPr>
+                            <m:chr m:val="⃗"/>
+                            <m:ctrlPr>
+                              <a:rPr lang="fr-FR" sz="1000" i="1" smtClean="0">
+                                <a:latin typeface="Cambria Math"/>
+                              </a:rPr>
+                            </m:ctrlPr>
+                          </m:accPr>
+                          <m:e>
+                            <m:sSub>
+                              <m:sSubPr>
+                                <m:ctrlPr>
+                                  <a:rPr lang="fr-FR" sz="1000" b="0" i="1" smtClean="0">
+                                    <a:latin typeface="Cambria Math"/>
+                                  </a:rPr>
+                                </m:ctrlPr>
+                              </m:sSubPr>
+                              <m:e>
+                                <m:r>
+                                  <a:rPr lang="fr-FR" sz="1000" b="0" i="1" smtClean="0">
+                                    <a:latin typeface="Cambria Math"/>
+                                  </a:rPr>
+                                  <m:t>𝑦</m:t>
+                                </m:r>
+                              </m:e>
+                              <m:sub>
+                                <m:r>
+                                  <a:rPr lang="fr-FR" sz="1000" b="0" i="1" smtClean="0">
+                                    <a:latin typeface="Cambria Math"/>
+                                  </a:rPr>
+                                  <m:t>0</m:t>
+                                </m:r>
+                              </m:sub>
+                            </m:sSub>
+                          </m:e>
+                        </m:acc>
+                      </m:oMath>
+                    </m:oMathPara>
+                  </a14:m>
+                  <a:endParaRPr lang="fr-FR" sz="1000" dirty="0"/>
+                </a:p>
+              </p:txBody>
+            </p:sp>
+          </mc:Choice>
+          <mc:Fallback xmlns="">
+            <p:sp>
+              <p:nvSpPr>
+                <p:cNvPr id="52" name="ZoneTexte 51"/>
+                <p:cNvSpPr txBox="1">
+                  <a:spLocks noRot="1" noChangeAspect="1" noMove="1" noResize="1" noEditPoints="1" noAdjustHandles="1" noChangeArrowheads="1" noChangeShapeType="1" noTextEdit="1"/>
+                </p:cNvSpPr>
+                <p:nvPr/>
+              </p:nvSpPr>
+              <p:spPr>
+                <a:xfrm>
+                  <a:off x="1511115" y="1779955"/>
+                  <a:ext cx="341567" cy="246221"/>
+                </a:xfrm>
+                <a:prstGeom prst="rect">
+                  <a:avLst/>
+                </a:prstGeom>
+                <a:blipFill rotWithShape="1">
+                  <a:blip r:embed="rId5"/>
+                  <a:stretch>
+                    <a:fillRect/>
+                  </a:stretch>
+                </a:blipFill>
+              </p:spPr>
+              <p:txBody>
+                <a:bodyPr/>
+                <a:lstStyle/>
+                <a:p>
+                  <a:r>
+                    <a:rPr lang="fr-FR">
+                      <a:noFill/>
+                    </a:rPr>
+                    <a:t> </a:t>
+                  </a:r>
+                </a:p>
+              </p:txBody>
+            </p:sp>
+          </mc:Fallback>
+        </mc:AlternateContent>
+        <p:sp>
+          <p:nvSpPr>
+            <p:cNvPr id="2" name="Arc 1"/>
+            <p:cNvSpPr/>
+            <p:nvPr/>
+          </p:nvSpPr>
+          <p:spPr>
+            <a:xfrm>
+              <a:off x="1112296" y="2126412"/>
+              <a:ext cx="1155448" cy="1155448"/>
+            </a:xfrm>
+            <a:prstGeom prst="arc">
+              <a:avLst>
+                <a:gd name="adj1" fmla="val 20778451"/>
+                <a:gd name="adj2" fmla="val 21400302"/>
+              </a:avLst>
+            </a:prstGeom>
+            <a:ln>
+              <a:solidFill>
+                <a:srgbClr val="FFC000"/>
+              </a:solidFill>
+              <a:headEnd type="stealth" w="sm" len="med"/>
+              <a:tailEnd type="none"/>
+            </a:ln>
+          </p:spPr>
+          <p:style>
+            <a:lnRef idx="1">
+              <a:schemeClr val="accent1"/>
+            </a:lnRef>
+            <a:fillRef idx="0">
+              <a:schemeClr val="accent1"/>
+            </a:fillRef>
+            <a:effectRef idx="0">
+              <a:schemeClr val="accent1"/>
+            </a:effectRef>
+            <a:fontRef idx="minor">
+              <a:schemeClr val="tx1"/>
+            </a:fontRef>
+          </p:style>
+          <p:txBody>
+            <a:bodyPr rtlCol="0" anchor="ctr"/>
+            <a:lstStyle/>
+            <a:p>
+              <a:pPr algn="ctr"/>
+              <a:endParaRPr lang="fr-FR"/>
+            </a:p>
+          </p:txBody>
+        </p:sp>
+        <mc:AlternateContent xmlns:mc="http://schemas.openxmlformats.org/markup-compatibility/2006" xmlns:a14="http://schemas.microsoft.com/office/drawing/2010/main">
+          <mc:Choice Requires="a14">
+            <p:sp>
+              <p:nvSpPr>
+                <p:cNvPr id="63" name="ZoneTexte 62"/>
+                <p:cNvSpPr txBox="1"/>
+                <p:nvPr/>
+              </p:nvSpPr>
+              <p:spPr>
+                <a:xfrm>
+                  <a:off x="2006135" y="2336418"/>
+                  <a:ext cx="338041" cy="246221"/>
+                </a:xfrm>
+                <a:prstGeom prst="rect">
+                  <a:avLst/>
+                </a:prstGeom>
+                <a:noFill/>
+              </p:spPr>
+              <p:txBody>
+                <a:bodyPr wrap="none" rtlCol="0">
+                  <a:spAutoFit/>
+                </a:bodyPr>
+                <a:lstStyle/>
+                <a:p>
+                  <a:pPr/>
+                  <a14:m>
+                    <m:oMathPara xmlns:m="http://schemas.openxmlformats.org/officeDocument/2006/math">
+                      <m:oMathParaPr>
+                        <m:jc m:val="centerGroup"/>
+                      </m:oMathParaPr>
+                      <m:oMath xmlns:m="http://schemas.openxmlformats.org/officeDocument/2006/math">
+                        <m:sSub>
+                          <m:sSubPr>
+                            <m:ctrlPr>
+                              <a:rPr lang="fr-FR" sz="1000" b="0" i="1" smtClean="0">
+                                <a:latin typeface="Cambria Math"/>
+                              </a:rPr>
+                            </m:ctrlPr>
+                          </m:sSubPr>
+                          <m:e>
+                            <m:r>
+                              <a:rPr lang="fr-FR" sz="1000" b="0" i="1" smtClean="0">
+                                <a:latin typeface="Cambria Math"/>
+                              </a:rPr>
+                              <m:t>𝜃</m:t>
+                            </m:r>
+                          </m:e>
+                          <m:sub>
+                            <m:r>
+                              <a:rPr lang="fr-FR" sz="1000" b="0" i="1" smtClean="0">
+                                <a:latin typeface="Cambria Math"/>
+                              </a:rPr>
+                              <m:t>1</m:t>
+                            </m:r>
+                          </m:sub>
+                        </m:sSub>
+                      </m:oMath>
+                    </m:oMathPara>
+                  </a14:m>
+                  <a:endParaRPr lang="fr-FR" sz="1000" dirty="0"/>
+                </a:p>
+              </p:txBody>
+            </p:sp>
+          </mc:Choice>
+          <mc:Fallback xmlns="">
+            <p:sp>
+              <p:nvSpPr>
+                <p:cNvPr id="63" name="ZoneTexte 62"/>
+                <p:cNvSpPr txBox="1">
+                  <a:spLocks noRot="1" noChangeAspect="1" noMove="1" noResize="1" noEditPoints="1" noAdjustHandles="1" noChangeArrowheads="1" noChangeShapeType="1" noTextEdit="1"/>
+                </p:cNvSpPr>
+                <p:nvPr/>
+              </p:nvSpPr>
+              <p:spPr>
+                <a:xfrm>
+                  <a:off x="2006135" y="2336418"/>
+                  <a:ext cx="338041" cy="246221"/>
+                </a:xfrm>
+                <a:prstGeom prst="rect">
+                  <a:avLst/>
+                </a:prstGeom>
+                <a:blipFill rotWithShape="1">
+                  <a:blip r:embed="rId6"/>
+                  <a:stretch>
+                    <a:fillRect/>
+                  </a:stretch>
+                </a:blipFill>
+              </p:spPr>
+              <p:txBody>
+                <a:bodyPr/>
+                <a:lstStyle/>
+                <a:p>
+                  <a:r>
+                    <a:rPr lang="fr-FR">
+                      <a:noFill/>
+                    </a:rPr>
+                    <a:t> </a:t>
+                  </a:r>
+                </a:p>
+              </p:txBody>
+            </p:sp>
+          </mc:Fallback>
+        </mc:AlternateContent>
+      </p:grpSp>
+      <p:grpSp>
+        <p:nvGrpSpPr>
+          <p:cNvPr id="64" name="Groupe 63"/>
+          <p:cNvGrpSpPr/>
+          <p:nvPr/>
+        </p:nvGrpSpPr>
+        <p:grpSpPr>
+          <a:xfrm>
+            <a:off x="2552770" y="1772816"/>
+            <a:ext cx="1620838" cy="1501906"/>
+            <a:chOff x="1112296" y="1779954"/>
+            <a:chExt cx="1620838" cy="1501906"/>
+          </a:xfrm>
+        </p:grpSpPr>
+        <p:grpSp>
+          <p:nvGrpSpPr>
+            <p:cNvPr id="65" name="Groupe 64"/>
+            <p:cNvGrpSpPr/>
+            <p:nvPr/>
+          </p:nvGrpSpPr>
+          <p:grpSpPr>
+            <a:xfrm>
+              <a:off x="1250031" y="1779954"/>
+              <a:ext cx="1483103" cy="1055968"/>
+              <a:chOff x="2319658" y="2219905"/>
+              <a:chExt cx="1483103" cy="1055968"/>
+            </a:xfrm>
+          </p:grpSpPr>
+          <p:grpSp>
+            <p:nvGrpSpPr>
+              <p:cNvPr id="80" name="Groupe 79"/>
+              <p:cNvGrpSpPr/>
+              <p:nvPr/>
+            </p:nvGrpSpPr>
+            <p:grpSpPr>
+              <a:xfrm>
+                <a:off x="2751525" y="2420888"/>
+                <a:ext cx="729461" cy="731875"/>
+                <a:chOff x="3317032" y="2996951"/>
+                <a:chExt cx="729461" cy="731875"/>
+              </a:xfrm>
+            </p:grpSpPr>
+            <p:cxnSp>
+              <p:nvCxnSpPr>
+                <p:cNvPr id="88" name="Connecteur droit 87"/>
+                <p:cNvCxnSpPr/>
+                <p:nvPr/>
+              </p:nvCxnSpPr>
+              <p:spPr>
+                <a:xfrm>
+                  <a:off x="3317032" y="3728826"/>
+                  <a:ext cx="729461" cy="0"/>
+                </a:xfrm>
+                <a:prstGeom prst="line">
+                  <a:avLst/>
+                </a:prstGeom>
+                <a:ln w="28575">
+                  <a:solidFill>
+                    <a:srgbClr val="FFC000"/>
+                  </a:solidFill>
+                  <a:tailEnd type="stealth" w="med" len="lg"/>
+                </a:ln>
+              </p:spPr>
+              <p:style>
+                <a:lnRef idx="1">
+                  <a:schemeClr val="accent1"/>
+                </a:lnRef>
+                <a:fillRef idx="0">
+                  <a:schemeClr val="accent1"/>
+                </a:fillRef>
+                <a:effectRef idx="0">
+                  <a:schemeClr val="accent1"/>
+                </a:effectRef>
+                <a:fontRef idx="minor">
+                  <a:schemeClr val="tx1"/>
+                </a:fontRef>
+              </p:style>
+            </p:cxnSp>
+            <p:cxnSp>
+              <p:nvCxnSpPr>
+                <p:cNvPr id="89" name="Connecteur droit 88"/>
+                <p:cNvCxnSpPr/>
+                <p:nvPr/>
+              </p:nvCxnSpPr>
+              <p:spPr>
+                <a:xfrm rot="16200000">
+                  <a:off x="2952302" y="3361682"/>
+                  <a:ext cx="729461" cy="0"/>
+                </a:xfrm>
+                <a:prstGeom prst="line">
+                  <a:avLst/>
+                </a:prstGeom>
+                <a:ln w="28575">
+                  <a:solidFill>
+                    <a:srgbClr val="FFC000"/>
+                  </a:solidFill>
+                  <a:tailEnd type="stealth" w="med" len="lg"/>
+                </a:ln>
+              </p:spPr>
+              <p:style>
+                <a:lnRef idx="1">
+                  <a:schemeClr val="accent1"/>
+                </a:lnRef>
+                <a:fillRef idx="0">
+                  <a:schemeClr val="accent1"/>
+                </a:fillRef>
+                <a:effectRef idx="0">
+                  <a:schemeClr val="accent1"/>
+                </a:effectRef>
+                <a:fontRef idx="minor">
+                  <a:schemeClr val="tx1"/>
+                </a:fontRef>
+              </p:style>
+            </p:cxnSp>
+          </p:grpSp>
+          <mc:AlternateContent xmlns:mc="http://schemas.openxmlformats.org/markup-compatibility/2006" xmlns:a14="http://schemas.microsoft.com/office/drawing/2010/main">
+            <mc:Choice Requires="a14">
+              <p:sp>
+                <p:nvSpPr>
+                  <p:cNvPr id="81" name="ZoneTexte 80"/>
+                  <p:cNvSpPr txBox="1"/>
+                  <p:nvPr/>
+                </p:nvSpPr>
+                <p:spPr>
+                  <a:xfrm>
+                    <a:off x="3464720" y="3029652"/>
+                    <a:ext cx="338041" cy="246221"/>
+                  </a:xfrm>
+                  <a:prstGeom prst="rect">
+                    <a:avLst/>
+                  </a:prstGeom>
+                  <a:noFill/>
+                </p:spPr>
+                <p:txBody>
+                  <a:bodyPr wrap="none" rtlCol="0">
+                    <a:spAutoFit/>
+                  </a:bodyPr>
+                  <a:lstStyle/>
+                  <a:p>
+                    <a:pPr/>
+                    <a14:m>
+                      <m:oMathPara xmlns:m="http://schemas.openxmlformats.org/officeDocument/2006/math">
+                        <m:oMathParaPr>
+                          <m:jc m:val="centerGroup"/>
+                        </m:oMathParaPr>
+                        <m:oMath xmlns:m="http://schemas.openxmlformats.org/officeDocument/2006/math">
+                          <m:acc>
+                            <m:accPr>
+                              <m:chr m:val="⃗"/>
+                              <m:ctrlPr>
+                                <a:rPr lang="fr-FR" sz="1000" i="1" smtClean="0">
+                                  <a:latin typeface="Cambria Math"/>
+                                </a:rPr>
+                              </m:ctrlPr>
+                            </m:accPr>
+                            <m:e>
+                              <m:sSub>
+                                <m:sSubPr>
+                                  <m:ctrlPr>
+                                    <a:rPr lang="fr-FR" sz="1000" b="0" i="1" smtClean="0">
+                                      <a:latin typeface="Cambria Math"/>
+                                    </a:rPr>
+                                  </m:ctrlPr>
+                                </m:sSubPr>
+                                <m:e>
+                                  <m:r>
+                                    <a:rPr lang="fr-FR" sz="1000" b="0" i="1" smtClean="0">
+                                      <a:latin typeface="Cambria Math"/>
+                                    </a:rPr>
+                                    <m:t>𝑥</m:t>
+                                  </m:r>
+                                </m:e>
+                                <m:sub>
+                                  <m:r>
+                                    <a:rPr lang="fr-FR" sz="1000" b="0" i="1" smtClean="0">
+                                      <a:latin typeface="Cambria Math"/>
+                                    </a:rPr>
+                                    <m:t>1</m:t>
+                                  </m:r>
+                                </m:sub>
+                              </m:sSub>
+                            </m:e>
+                          </m:acc>
+                        </m:oMath>
+                      </m:oMathPara>
+                    </a14:m>
+                    <a:endParaRPr lang="fr-FR" sz="1000" dirty="0"/>
+                  </a:p>
+                </p:txBody>
+              </p:sp>
+            </mc:Choice>
+            <mc:Fallback xmlns="">
+              <p:sp>
+                <p:nvSpPr>
+                  <p:cNvPr id="81" name="ZoneTexte 80"/>
+                  <p:cNvSpPr txBox="1">
+                    <a:spLocks noRot="1" noChangeAspect="1" noMove="1" noResize="1" noEditPoints="1" noAdjustHandles="1" noChangeArrowheads="1" noChangeShapeType="1" noTextEdit="1"/>
+                  </p:cNvSpPr>
+                  <p:nvPr/>
+                </p:nvSpPr>
+                <p:spPr>
+                  <a:xfrm>
+                    <a:off x="3464720" y="3029652"/>
+                    <a:ext cx="338041" cy="246221"/>
+                  </a:xfrm>
+                  <a:prstGeom prst="rect">
+                    <a:avLst/>
+                  </a:prstGeom>
+                  <a:blipFill rotWithShape="1">
+                    <a:blip r:embed="rId7"/>
+                    <a:stretch>
+                      <a:fillRect/>
+                    </a:stretch>
+                  </a:blipFill>
+                </p:spPr>
+                <p:txBody>
+                  <a:bodyPr/>
+                  <a:lstStyle/>
+                  <a:p>
+                    <a:r>
+                      <a:rPr lang="fr-FR">
+                        <a:noFill/>
+                      </a:rPr>
+                      <a:t> </a:t>
+                    </a:r>
+                  </a:p>
+                </p:txBody>
+              </p:sp>
+            </mc:Fallback>
+          </mc:AlternateContent>
+          <mc:AlternateContent xmlns:mc="http://schemas.openxmlformats.org/markup-compatibility/2006" xmlns:a14="http://schemas.microsoft.com/office/drawing/2010/main">
+            <mc:Choice Requires="a14">
+              <p:sp>
+                <p:nvSpPr>
+                  <p:cNvPr id="82" name="ZoneTexte 81"/>
+                  <p:cNvSpPr txBox="1"/>
+                  <p:nvPr/>
+                </p:nvSpPr>
+                <p:spPr>
+                  <a:xfrm>
+                    <a:off x="2319658" y="2219905"/>
+                    <a:ext cx="341568" cy="246221"/>
+                  </a:xfrm>
+                  <a:prstGeom prst="rect">
+                    <a:avLst/>
+                  </a:prstGeom>
+                  <a:noFill/>
+                </p:spPr>
+                <p:txBody>
+                  <a:bodyPr wrap="none" rtlCol="0">
+                    <a:spAutoFit/>
+                  </a:bodyPr>
+                  <a:lstStyle/>
+                  <a:p>
+                    <a:pPr/>
+                    <a14:m>
+                      <m:oMathPara xmlns:m="http://schemas.openxmlformats.org/officeDocument/2006/math">
+                        <m:oMathParaPr>
+                          <m:jc m:val="centerGroup"/>
+                        </m:oMathParaPr>
+                        <m:oMath xmlns:m="http://schemas.openxmlformats.org/officeDocument/2006/math">
+                          <m:acc>
+                            <m:accPr>
+                              <m:chr m:val="⃗"/>
+                              <m:ctrlPr>
+                                <a:rPr lang="fr-FR" sz="1000" i="1" smtClean="0">
+                                  <a:latin typeface="Cambria Math"/>
+                                </a:rPr>
+                              </m:ctrlPr>
+                            </m:accPr>
+                            <m:e>
+                              <m:sSub>
+                                <m:sSubPr>
+                                  <m:ctrlPr>
+                                    <a:rPr lang="fr-FR" sz="1000" b="0" i="1" smtClean="0">
+                                      <a:latin typeface="Cambria Math"/>
+                                    </a:rPr>
+                                  </m:ctrlPr>
+                                </m:sSubPr>
+                                <m:e>
+                                  <m:r>
+                                    <a:rPr lang="fr-FR" sz="1000" b="0" i="1" smtClean="0">
+                                      <a:latin typeface="Cambria Math"/>
+                                    </a:rPr>
+                                    <m:t>𝑦</m:t>
+                                  </m:r>
+                                </m:e>
+                                <m:sub>
+                                  <m:r>
+                                    <a:rPr lang="fr-FR" sz="1000" b="0" i="1" smtClean="0">
+                                      <a:latin typeface="Cambria Math"/>
+                                    </a:rPr>
+                                    <m:t>2</m:t>
+                                  </m:r>
+                                </m:sub>
+                              </m:sSub>
+                            </m:e>
+                          </m:acc>
+                        </m:oMath>
+                      </m:oMathPara>
+                    </a14:m>
+                    <a:endParaRPr lang="fr-FR" sz="1000" dirty="0"/>
+                  </a:p>
+                </p:txBody>
+              </p:sp>
+            </mc:Choice>
+            <mc:Fallback xmlns="">
+              <p:sp>
+                <p:nvSpPr>
+                  <p:cNvPr id="82" name="ZoneTexte 81"/>
+                  <p:cNvSpPr txBox="1">
+                    <a:spLocks noRot="1" noChangeAspect="1" noMove="1" noResize="1" noEditPoints="1" noAdjustHandles="1" noChangeArrowheads="1" noChangeShapeType="1" noTextEdit="1"/>
+                  </p:cNvSpPr>
+                  <p:nvPr/>
+                </p:nvSpPr>
+                <p:spPr>
+                  <a:xfrm>
+                    <a:off x="2319658" y="2219905"/>
+                    <a:ext cx="341568" cy="246221"/>
+                  </a:xfrm>
+                  <a:prstGeom prst="rect">
+                    <a:avLst/>
+                  </a:prstGeom>
+                  <a:blipFill rotWithShape="1">
+                    <a:blip r:embed="rId8"/>
+                    <a:stretch>
+                      <a:fillRect/>
+                    </a:stretch>
+                  </a:blipFill>
+                </p:spPr>
+                <p:txBody>
+                  <a:bodyPr/>
+                  <a:lstStyle/>
+                  <a:p>
+                    <a:r>
+                      <a:rPr lang="fr-FR">
+                        <a:noFill/>
+                      </a:rPr>
+                      <a:t> </a:t>
+                    </a:r>
+                  </a:p>
+                </p:txBody>
+              </p:sp>
+            </mc:Fallback>
+          </mc:AlternateContent>
+        </p:grpSp>
+        <p:grpSp>
+          <p:nvGrpSpPr>
+            <p:cNvPr id="66" name="Groupe 65"/>
+            <p:cNvGrpSpPr/>
+            <p:nvPr/>
+          </p:nvGrpSpPr>
+          <p:grpSpPr>
+            <a:xfrm rot="20700000">
+              <a:off x="1579482" y="1888737"/>
+              <a:ext cx="729461" cy="731875"/>
+              <a:chOff x="3317032" y="2996951"/>
+              <a:chExt cx="729461" cy="731875"/>
+            </a:xfrm>
+          </p:grpSpPr>
+          <p:cxnSp>
+            <p:nvCxnSpPr>
+              <p:cNvPr id="78" name="Connecteur droit 77"/>
+              <p:cNvCxnSpPr/>
+              <p:nvPr/>
+            </p:nvCxnSpPr>
+            <p:spPr>
+              <a:xfrm>
+                <a:off x="3317032" y="3728826"/>
+                <a:ext cx="729461" cy="0"/>
+              </a:xfrm>
+              <a:prstGeom prst="line">
+                <a:avLst/>
+              </a:prstGeom>
+              <a:ln w="28575">
+                <a:solidFill>
+                  <a:srgbClr val="7030A0"/>
+                </a:solidFill>
+                <a:tailEnd type="stealth" w="med" len="lg"/>
+              </a:ln>
+            </p:spPr>
+            <p:style>
+              <a:lnRef idx="1">
+                <a:schemeClr val="accent1"/>
+              </a:lnRef>
+              <a:fillRef idx="0">
+                <a:schemeClr val="accent1"/>
+              </a:fillRef>
+              <a:effectRef idx="0">
+                <a:schemeClr val="accent1"/>
+              </a:effectRef>
+              <a:fontRef idx="minor">
+                <a:schemeClr val="tx1"/>
+              </a:fontRef>
+            </p:style>
+          </p:cxnSp>
+          <p:cxnSp>
+            <p:nvCxnSpPr>
+              <p:cNvPr id="79" name="Connecteur droit 78"/>
+              <p:cNvCxnSpPr/>
+              <p:nvPr/>
+            </p:nvCxnSpPr>
+            <p:spPr>
+              <a:xfrm rot="16200000">
+                <a:off x="2952302" y="3361682"/>
+                <a:ext cx="729461" cy="0"/>
+              </a:xfrm>
+              <a:prstGeom prst="line">
+                <a:avLst/>
+              </a:prstGeom>
+              <a:ln w="28575">
+                <a:solidFill>
+                  <a:srgbClr val="7030A0"/>
+                </a:solidFill>
+                <a:tailEnd type="stealth" w="med" len="lg"/>
+              </a:ln>
+            </p:spPr>
+            <p:style>
+              <a:lnRef idx="1">
+                <a:schemeClr val="accent1"/>
+              </a:lnRef>
+              <a:fillRef idx="0">
+                <a:schemeClr val="accent1"/>
+              </a:fillRef>
+              <a:effectRef idx="0">
+                <a:schemeClr val="accent1"/>
+              </a:effectRef>
+              <a:fontRef idx="minor">
+                <a:schemeClr val="tx1"/>
+              </a:fontRef>
+            </p:style>
+          </p:cxnSp>
+        </p:grpSp>
+        <mc:AlternateContent xmlns:mc="http://schemas.openxmlformats.org/markup-compatibility/2006" xmlns:a14="http://schemas.microsoft.com/office/drawing/2010/main">
+          <mc:Choice Requires="a14">
+            <p:sp>
+              <p:nvSpPr>
+                <p:cNvPr id="67" name="ZoneTexte 66"/>
+                <p:cNvSpPr txBox="1"/>
+                <p:nvPr/>
+              </p:nvSpPr>
+              <p:spPr>
+                <a:xfrm>
+                  <a:off x="2386723" y="2361922"/>
+                  <a:ext cx="340991" cy="246221"/>
+                </a:xfrm>
+                <a:prstGeom prst="rect">
+                  <a:avLst/>
+                </a:prstGeom>
+                <a:noFill/>
+              </p:spPr>
+              <p:txBody>
+                <a:bodyPr wrap="none" rtlCol="0">
+                  <a:spAutoFit/>
+                </a:bodyPr>
+                <a:lstStyle/>
+                <a:p>
+                  <a:pPr/>
+                  <a14:m>
+                    <m:oMathPara xmlns:m="http://schemas.openxmlformats.org/officeDocument/2006/math">
+                      <m:oMathParaPr>
+                        <m:jc m:val="centerGroup"/>
+                      </m:oMathParaPr>
+                      <m:oMath xmlns:m="http://schemas.openxmlformats.org/officeDocument/2006/math">
+                        <m:acc>
+                          <m:accPr>
+                            <m:chr m:val="⃗"/>
+                            <m:ctrlPr>
+                              <a:rPr lang="fr-FR" sz="1000" i="1" smtClean="0">
+                                <a:latin typeface="Cambria Math"/>
+                              </a:rPr>
+                            </m:ctrlPr>
+                          </m:accPr>
+                          <m:e>
+                            <m:sSub>
+                              <m:sSubPr>
+                                <m:ctrlPr>
+                                  <a:rPr lang="fr-FR" sz="1000" b="0" i="1" smtClean="0">
+                                    <a:latin typeface="Cambria Math"/>
+                                  </a:rPr>
+                                </m:ctrlPr>
+                              </m:sSubPr>
+                              <m:e>
+                                <m:r>
+                                  <a:rPr lang="fr-FR" sz="1000" b="0" i="1" smtClean="0">
+                                    <a:latin typeface="Cambria Math"/>
+                                  </a:rPr>
+                                  <m:t>𝑥</m:t>
+                                </m:r>
+                              </m:e>
+                              <m:sub>
+                                <m:r>
+                                  <a:rPr lang="fr-FR" sz="1000" b="0" i="1" smtClean="0">
+                                    <a:latin typeface="Cambria Math"/>
+                                  </a:rPr>
+                                  <m:t>2</m:t>
+                                </m:r>
+                              </m:sub>
+                            </m:sSub>
+                          </m:e>
+                        </m:acc>
+                      </m:oMath>
+                    </m:oMathPara>
+                  </a14:m>
+                  <a:endParaRPr lang="fr-FR" sz="1000" dirty="0"/>
+                </a:p>
+              </p:txBody>
+            </p:sp>
+          </mc:Choice>
+          <mc:Fallback xmlns="">
+            <p:sp>
+              <p:nvSpPr>
+                <p:cNvPr id="67" name="ZoneTexte 66"/>
+                <p:cNvSpPr txBox="1">
+                  <a:spLocks noRot="1" noChangeAspect="1" noMove="1" noResize="1" noEditPoints="1" noAdjustHandles="1" noChangeArrowheads="1" noChangeShapeType="1" noTextEdit="1"/>
+                </p:cNvSpPr>
+                <p:nvPr/>
+              </p:nvSpPr>
+              <p:spPr>
+                <a:xfrm>
+                  <a:off x="2386723" y="2361922"/>
+                  <a:ext cx="340991" cy="246221"/>
+                </a:xfrm>
+                <a:prstGeom prst="rect">
+                  <a:avLst/>
+                </a:prstGeom>
+                <a:blipFill rotWithShape="1">
+                  <a:blip r:embed="rId9"/>
+                  <a:stretch>
+                    <a:fillRect/>
+                  </a:stretch>
+                </a:blipFill>
+              </p:spPr>
+              <p:txBody>
+                <a:bodyPr/>
+                <a:lstStyle/>
+                <a:p>
+                  <a:r>
+                    <a:rPr lang="fr-FR">
+                      <a:noFill/>
+                    </a:rPr>
+                    <a:t> </a:t>
+                  </a:r>
+                </a:p>
+              </p:txBody>
+            </p:sp>
+          </mc:Fallback>
+        </mc:AlternateContent>
+        <mc:AlternateContent xmlns:mc="http://schemas.openxmlformats.org/markup-compatibility/2006" xmlns:a14="http://schemas.microsoft.com/office/drawing/2010/main">
+          <mc:Choice Requires="a14">
+            <p:sp>
+              <p:nvSpPr>
+                <p:cNvPr id="68" name="ZoneTexte 67"/>
+                <p:cNvSpPr txBox="1"/>
+                <p:nvPr/>
+              </p:nvSpPr>
+              <p:spPr>
+                <a:xfrm>
+                  <a:off x="1511115" y="1779955"/>
+                  <a:ext cx="338618" cy="246221"/>
+                </a:xfrm>
+                <a:prstGeom prst="rect">
+                  <a:avLst/>
+                </a:prstGeom>
+                <a:noFill/>
+              </p:spPr>
+              <p:txBody>
+                <a:bodyPr wrap="none" rtlCol="0">
+                  <a:spAutoFit/>
+                </a:bodyPr>
+                <a:lstStyle/>
+                <a:p>
+                  <a:pPr/>
+                  <a14:m>
+                    <m:oMathPara xmlns:m="http://schemas.openxmlformats.org/officeDocument/2006/math">
+                      <m:oMathParaPr>
+                        <m:jc m:val="centerGroup"/>
+                      </m:oMathParaPr>
+                      <m:oMath xmlns:m="http://schemas.openxmlformats.org/officeDocument/2006/math">
+                        <m:acc>
+                          <m:accPr>
+                            <m:chr m:val="⃗"/>
+                            <m:ctrlPr>
+                              <a:rPr lang="fr-FR" sz="1000" i="1" smtClean="0">
+                                <a:latin typeface="Cambria Math"/>
+                              </a:rPr>
+                            </m:ctrlPr>
+                          </m:accPr>
+                          <m:e>
+                            <m:sSub>
+                              <m:sSubPr>
+                                <m:ctrlPr>
+                                  <a:rPr lang="fr-FR" sz="1000" b="0" i="1" smtClean="0">
+                                    <a:latin typeface="Cambria Math"/>
+                                  </a:rPr>
+                                </m:ctrlPr>
+                              </m:sSubPr>
+                              <m:e>
+                                <m:r>
+                                  <a:rPr lang="fr-FR" sz="1000" b="0" i="1" smtClean="0">
+                                    <a:latin typeface="Cambria Math"/>
+                                  </a:rPr>
+                                  <m:t>𝑦</m:t>
+                                </m:r>
+                              </m:e>
+                              <m:sub>
+                                <m:r>
+                                  <a:rPr lang="fr-FR" sz="1000" b="0" i="1" smtClean="0">
+                                    <a:latin typeface="Cambria Math"/>
+                                  </a:rPr>
+                                  <m:t>1</m:t>
+                                </m:r>
+                              </m:sub>
+                            </m:sSub>
+                          </m:e>
+                        </m:acc>
+                      </m:oMath>
+                    </m:oMathPara>
+                  </a14:m>
+                  <a:endParaRPr lang="fr-FR" sz="1000" dirty="0"/>
+                </a:p>
+              </p:txBody>
+            </p:sp>
+          </mc:Choice>
+          <mc:Fallback xmlns="">
+            <p:sp>
+              <p:nvSpPr>
+                <p:cNvPr id="68" name="ZoneTexte 67"/>
+                <p:cNvSpPr txBox="1">
+                  <a:spLocks noRot="1" noChangeAspect="1" noMove="1" noResize="1" noEditPoints="1" noAdjustHandles="1" noChangeArrowheads="1" noChangeShapeType="1" noTextEdit="1"/>
+                </p:cNvSpPr>
+                <p:nvPr/>
+              </p:nvSpPr>
+              <p:spPr>
+                <a:xfrm>
+                  <a:off x="1511115" y="1779955"/>
+                  <a:ext cx="338618" cy="246221"/>
+                </a:xfrm>
+                <a:prstGeom prst="rect">
+                  <a:avLst/>
+                </a:prstGeom>
+                <a:blipFill rotWithShape="1">
+                  <a:blip r:embed="rId10"/>
+                  <a:stretch>
+                    <a:fillRect/>
+                  </a:stretch>
+                </a:blipFill>
+              </p:spPr>
+              <p:txBody>
+                <a:bodyPr/>
+                <a:lstStyle/>
+                <a:p>
+                  <a:r>
+                    <a:rPr lang="fr-FR">
+                      <a:noFill/>
+                    </a:rPr>
+                    <a:t> </a:t>
+                  </a:r>
+                </a:p>
+              </p:txBody>
+            </p:sp>
+          </mc:Fallback>
+        </mc:AlternateContent>
+        <p:sp>
+          <p:nvSpPr>
+            <p:cNvPr id="76" name="Arc 75"/>
+            <p:cNvSpPr/>
+            <p:nvPr/>
+          </p:nvSpPr>
+          <p:spPr>
+            <a:xfrm>
+              <a:off x="1112296" y="2126412"/>
+              <a:ext cx="1155448" cy="1155448"/>
+            </a:xfrm>
+            <a:prstGeom prst="arc">
+              <a:avLst>
+                <a:gd name="adj1" fmla="val 20778451"/>
+                <a:gd name="adj2" fmla="val 21400302"/>
+              </a:avLst>
+            </a:prstGeom>
+            <a:ln>
+              <a:solidFill>
+                <a:srgbClr val="7030A0"/>
+              </a:solidFill>
+              <a:headEnd type="stealth" w="sm" len="med"/>
+              <a:tailEnd type="none"/>
+            </a:ln>
+          </p:spPr>
+          <p:style>
+            <a:lnRef idx="1">
+              <a:schemeClr val="accent1"/>
+            </a:lnRef>
+            <a:fillRef idx="0">
+              <a:schemeClr val="accent1"/>
+            </a:fillRef>
+            <a:effectRef idx="0">
+              <a:schemeClr val="accent1"/>
+            </a:effectRef>
+            <a:fontRef idx="minor">
+              <a:schemeClr val="tx1"/>
+            </a:fontRef>
+          </p:style>
+          <p:txBody>
+            <a:bodyPr rtlCol="0" anchor="ctr"/>
+            <a:lstStyle/>
+            <a:p>
+              <a:pPr algn="ctr"/>
+              <a:endParaRPr lang="fr-FR"/>
+            </a:p>
+          </p:txBody>
+        </p:sp>
+        <mc:AlternateContent xmlns:mc="http://schemas.openxmlformats.org/markup-compatibility/2006" xmlns:a14="http://schemas.microsoft.com/office/drawing/2010/main">
+          <mc:Choice Requires="a14">
+            <p:sp>
+              <p:nvSpPr>
+                <p:cNvPr id="77" name="ZoneTexte 76"/>
+                <p:cNvSpPr txBox="1"/>
+                <p:nvPr/>
+              </p:nvSpPr>
+              <p:spPr>
+                <a:xfrm>
+                  <a:off x="2006135" y="2336418"/>
+                  <a:ext cx="340991" cy="246221"/>
+                </a:xfrm>
+                <a:prstGeom prst="rect">
+                  <a:avLst/>
+                </a:prstGeom>
+                <a:noFill/>
+              </p:spPr>
+              <p:txBody>
+                <a:bodyPr wrap="none" rtlCol="0">
+                  <a:spAutoFit/>
+                </a:bodyPr>
+                <a:lstStyle/>
+                <a:p>
+                  <a:pPr/>
+                  <a14:m>
+                    <m:oMathPara xmlns:m="http://schemas.openxmlformats.org/officeDocument/2006/math">
+                      <m:oMathParaPr>
+                        <m:jc m:val="centerGroup"/>
+                      </m:oMathParaPr>
+                      <m:oMath xmlns:m="http://schemas.openxmlformats.org/officeDocument/2006/math">
+                        <m:sSub>
+                          <m:sSubPr>
+                            <m:ctrlPr>
+                              <a:rPr lang="fr-FR" sz="1000" b="0" i="1" smtClean="0">
+                                <a:latin typeface="Cambria Math"/>
+                              </a:rPr>
+                            </m:ctrlPr>
+                          </m:sSubPr>
+                          <m:e>
+                            <m:r>
+                              <a:rPr lang="fr-FR" sz="1000" b="0" i="1" smtClean="0">
+                                <a:latin typeface="Cambria Math"/>
+                              </a:rPr>
+                              <m:t>𝜃</m:t>
+                            </m:r>
+                          </m:e>
+                          <m:sub>
+                            <m:r>
+                              <a:rPr lang="fr-FR" sz="1000" b="0" i="1" smtClean="0">
+                                <a:latin typeface="Cambria Math"/>
+                              </a:rPr>
+                              <m:t>2</m:t>
+                            </m:r>
+                          </m:sub>
+                        </m:sSub>
+                      </m:oMath>
+                    </m:oMathPara>
+                  </a14:m>
+                  <a:endParaRPr lang="fr-FR" sz="1000" dirty="0"/>
+                </a:p>
+              </p:txBody>
+            </p:sp>
+          </mc:Choice>
+          <mc:Fallback xmlns="">
             <p:sp>
               <p:nvSpPr>
                 <p:cNvPr id="77" name="ZoneTexte 76"/>
@@ -7246,8 +10554,8 @@
               </p:style>
             </p:cxnSp>
           </p:grpSp>
-          <mc:AlternateContent xmlns:mc="http://schemas.openxmlformats.org/markup-compatibility/2006">
-            <mc:Choice xmlns:a14="http://schemas.microsoft.com/office/drawing/2010/main" Requires="a14">
+          <mc:AlternateContent xmlns:mc="http://schemas.openxmlformats.org/markup-compatibility/2006" xmlns:a14="http://schemas.microsoft.com/office/drawing/2010/main">
+            <mc:Choice Requires="a14">
               <p:sp>
                 <p:nvSpPr>
                   <p:cNvPr id="114" name="ZoneTexte 113"/>
@@ -7270,6 +10578,7 @@
                   </a:bodyPr>
                   <a:lstStyle/>
                   <a:p>
+                    <a:pPr/>
                     <a14:m>
                       <m:oMathPara xmlns:m="http://schemas.openxmlformats.org/officeDocument/2006/math">
                         <m:oMathParaPr>
@@ -7321,7 +10630,7 @@
                 </p:txBody>
               </p:sp>
             </mc:Choice>
-            <mc:Fallback>
+            <mc:Fallback xmlns="">
               <p:sp>
                 <p:nvSpPr>
                   <p:cNvPr id="114" name="ZoneTexte 113"/>
@@ -7360,8 +10669,8 @@
               </p:sp>
             </mc:Fallback>
           </mc:AlternateContent>
-          <mc:AlternateContent xmlns:mc="http://schemas.openxmlformats.org/markup-compatibility/2006">
-            <mc:Choice xmlns:a14="http://schemas.microsoft.com/office/drawing/2010/main" Requires="a14">
+          <mc:AlternateContent xmlns:mc="http://schemas.openxmlformats.org/markup-compatibility/2006" xmlns:a14="http://schemas.microsoft.com/office/drawing/2010/main">
+            <mc:Choice Requires="a14">
               <p:sp>
                 <p:nvSpPr>
                   <p:cNvPr id="115" name="ZoneTexte 114"/>
@@ -7384,6 +10693,7 @@
                   </a:bodyPr>
                   <a:lstStyle/>
                   <a:p>
+                    <a:pPr/>
                     <a14:m>
                       <m:oMathPara xmlns:m="http://schemas.openxmlformats.org/officeDocument/2006/math">
                         <m:oMathParaPr>
@@ -7435,7 +10745,7 @@
                 </p:txBody>
               </p:sp>
             </mc:Choice>
-            <mc:Fallback>
+            <mc:Fallback xmlns="">
               <p:sp>
                 <p:nvSpPr>
                   <p:cNvPr id="115" name="ZoneTexte 114"/>
@@ -7562,8 +10872,8 @@
             </p:style>
           </p:cxnSp>
         </p:grpSp>
-        <mc:AlternateContent xmlns:mc="http://schemas.openxmlformats.org/markup-compatibility/2006">
-          <mc:Choice xmlns:a14="http://schemas.microsoft.com/office/drawing/2010/main" Requires="a14">
+        <mc:AlternateContent xmlns:mc="http://schemas.openxmlformats.org/markup-compatibility/2006" xmlns:a14="http://schemas.microsoft.com/office/drawing/2010/main">
+          <mc:Choice Requires="a14">
             <p:sp>
               <p:nvSpPr>
                 <p:cNvPr id="107" name="ZoneTexte 106"/>
@@ -7586,6 +10896,7 @@
                 </a:bodyPr>
                 <a:lstStyle/>
                 <a:p>
+                  <a:pPr/>
                   <a14:m>
                     <m:oMathPara xmlns:m="http://schemas.openxmlformats.org/officeDocument/2006/math">
                       <m:oMathParaPr>
@@ -7637,7 +10948,7 @@
               </p:txBody>
             </p:sp>
           </mc:Choice>
-          <mc:Fallback>
+          <mc:Fallback xmlns="">
             <p:sp>
               <p:nvSpPr>
                 <p:cNvPr id="107" name="ZoneTexte 106"/>
@@ -7676,8 +10987,8 @@
             </p:sp>
           </mc:Fallback>
         </mc:AlternateContent>
-        <mc:AlternateContent xmlns:mc="http://schemas.openxmlformats.org/markup-compatibility/2006">
-          <mc:Choice xmlns:a14="http://schemas.microsoft.com/office/drawing/2010/main" Requires="a14">
+        <mc:AlternateContent xmlns:mc="http://schemas.openxmlformats.org/markup-compatibility/2006" xmlns:a14="http://schemas.microsoft.com/office/drawing/2010/main">
+          <mc:Choice Requires="a14">
             <p:sp>
               <p:nvSpPr>
                 <p:cNvPr id="108" name="ZoneTexte 107"/>
@@ -7700,6 +11011,7 @@
                 </a:bodyPr>
                 <a:lstStyle/>
                 <a:p>
+                  <a:pPr/>
                   <a14:m>
                     <m:oMathPara xmlns:m="http://schemas.openxmlformats.org/officeDocument/2006/math">
                       <m:oMathParaPr>
@@ -7751,7 +11063,7 @@
               </p:txBody>
             </p:sp>
           </mc:Choice>
-          <mc:Fallback>
+          <mc:Fallback xmlns="">
             <p:sp>
               <p:nvSpPr>
                 <p:cNvPr id="108" name="ZoneTexte 107"/>
@@ -7838,8 +11150,8 @@
             </a:p>
           </p:txBody>
         </p:sp>
-        <mc:AlternateContent xmlns:mc="http://schemas.openxmlformats.org/markup-compatibility/2006">
-          <mc:Choice xmlns:a14="http://schemas.microsoft.com/office/drawing/2010/main" Requires="a14">
+        <mc:AlternateContent xmlns:mc="http://schemas.openxmlformats.org/markup-compatibility/2006" xmlns:a14="http://schemas.microsoft.com/office/drawing/2010/main">
+          <mc:Choice Requires="a14">
             <p:sp>
               <p:nvSpPr>
                 <p:cNvPr id="110" name="ZoneTexte 109"/>
@@ -7862,6 +11174,7 @@
                 </a:bodyPr>
                 <a:lstStyle/>
                 <a:p>
+                  <a:pPr/>
                   <a14:m>
                     <m:oMathPara xmlns:m="http://schemas.openxmlformats.org/officeDocument/2006/math">
                       <m:oMathParaPr>
@@ -7901,7 +11214,7 @@
               </p:txBody>
             </p:sp>
           </mc:Choice>
-          <mc:Fallback>
+          <mc:Fallback xmlns="">
             <p:sp>
               <p:nvSpPr>
                 <p:cNvPr id="110" name="ZoneTexte 109"/>
@@ -8056,8 +11369,8 @@
               </p:style>
             </p:cxnSp>
           </p:grpSp>
-          <mc:AlternateContent xmlns:mc="http://schemas.openxmlformats.org/markup-compatibility/2006">
-            <mc:Choice xmlns:a14="http://schemas.microsoft.com/office/drawing/2010/main" Requires="a14">
+          <mc:AlternateContent xmlns:mc="http://schemas.openxmlformats.org/markup-compatibility/2006" xmlns:a14="http://schemas.microsoft.com/office/drawing/2010/main">
+            <mc:Choice Requires="a14">
               <p:sp>
                 <p:nvSpPr>
                   <p:cNvPr id="128" name="ZoneTexte 127"/>
@@ -8080,6 +11393,7 @@
                   </a:bodyPr>
                   <a:lstStyle/>
                   <a:p>
+                    <a:pPr/>
                     <a14:m>
                       <m:oMathPara xmlns:m="http://schemas.openxmlformats.org/officeDocument/2006/math">
                         <m:oMathParaPr>
@@ -8131,7 +11445,7 @@
                 </p:txBody>
               </p:sp>
             </mc:Choice>
-            <mc:Fallback>
+            <mc:Fallback xmlns="">
               <p:sp>
                 <p:nvSpPr>
                   <p:cNvPr id="128" name="ZoneTexte 127"/>
@@ -8170,8 +11484,8 @@
               </p:sp>
             </mc:Fallback>
           </mc:AlternateContent>
-          <mc:AlternateContent xmlns:mc="http://schemas.openxmlformats.org/markup-compatibility/2006">
-            <mc:Choice xmlns:a14="http://schemas.microsoft.com/office/drawing/2010/main" Requires="a14">
+          <mc:AlternateContent xmlns:mc="http://schemas.openxmlformats.org/markup-compatibility/2006" xmlns:a14="http://schemas.microsoft.com/office/drawing/2010/main">
+            <mc:Choice Requires="a14">
               <p:sp>
                 <p:nvSpPr>
                   <p:cNvPr id="129" name="ZoneTexte 128"/>
@@ -8194,6 +11508,7 @@
                   </a:bodyPr>
                   <a:lstStyle/>
                   <a:p>
+                    <a:pPr/>
                     <a14:m>
                       <m:oMathPara xmlns:m="http://schemas.openxmlformats.org/officeDocument/2006/math">
                         <m:oMathParaPr>
@@ -8245,7 +11560,7 @@
                 </p:txBody>
               </p:sp>
             </mc:Choice>
-            <mc:Fallback>
+            <mc:Fallback xmlns="">
               <p:sp>
                 <p:nvSpPr>
                   <p:cNvPr id="129" name="ZoneTexte 128"/>
@@ -8372,8 +11687,8 @@
             </p:style>
           </p:cxnSp>
         </p:grpSp>
-        <mc:AlternateContent xmlns:mc="http://schemas.openxmlformats.org/markup-compatibility/2006">
-          <mc:Choice xmlns:a14="http://schemas.microsoft.com/office/drawing/2010/main" Requires="a14">
+        <mc:AlternateContent xmlns:mc="http://schemas.openxmlformats.org/markup-compatibility/2006" xmlns:a14="http://schemas.microsoft.com/office/drawing/2010/main">
+          <mc:Choice Requires="a14">
             <p:sp>
               <p:nvSpPr>
                 <p:cNvPr id="121" name="ZoneTexte 120"/>
@@ -8396,6 +11711,7 @@
                 </a:bodyPr>
                 <a:lstStyle/>
                 <a:p>
+                  <a:pPr/>
                   <a14:m>
                     <m:oMathPara xmlns:m="http://schemas.openxmlformats.org/officeDocument/2006/math">
                       <m:oMathParaPr>
@@ -8447,7 +11763,7 @@
               </p:txBody>
             </p:sp>
           </mc:Choice>
-          <mc:Fallback>
+          <mc:Fallback xmlns="">
             <p:sp>
               <p:nvSpPr>
                 <p:cNvPr id="121" name="ZoneTexte 120"/>
@@ -8486,8 +11802,8 @@
             </p:sp>
           </mc:Fallback>
         </mc:AlternateContent>
-        <mc:AlternateContent xmlns:mc="http://schemas.openxmlformats.org/markup-compatibility/2006">
-          <mc:Choice xmlns:a14="http://schemas.microsoft.com/office/drawing/2010/main" Requires="a14">
+        <mc:AlternateContent xmlns:mc="http://schemas.openxmlformats.org/markup-compatibility/2006" xmlns:a14="http://schemas.microsoft.com/office/drawing/2010/main">
+          <mc:Choice Requires="a14">
             <p:sp>
               <p:nvSpPr>
                 <p:cNvPr id="122" name="ZoneTexte 121"/>
@@ -8510,6 +11826,7 @@
                 </a:bodyPr>
                 <a:lstStyle/>
                 <a:p>
+                  <a:pPr/>
                   <a14:m>
                     <m:oMathPara xmlns:m="http://schemas.openxmlformats.org/officeDocument/2006/math">
                       <m:oMathParaPr>
@@ -8561,7 +11878,7 @@
               </p:txBody>
             </p:sp>
           </mc:Choice>
-          <mc:Fallback>
+          <mc:Fallback xmlns="">
             <p:sp>
               <p:nvSpPr>
                 <p:cNvPr id="122" name="ZoneTexte 121"/>
@@ -8648,8 +11965,8 @@
             </a:p>
           </p:txBody>
         </p:sp>
-        <mc:AlternateContent xmlns:mc="http://schemas.openxmlformats.org/markup-compatibility/2006">
-          <mc:Choice xmlns:a14="http://schemas.microsoft.com/office/drawing/2010/main" Requires="a14">
+        <mc:AlternateContent xmlns:mc="http://schemas.openxmlformats.org/markup-compatibility/2006" xmlns:a14="http://schemas.microsoft.com/office/drawing/2010/main">
+          <mc:Choice Requires="a14">
             <p:sp>
               <p:nvSpPr>
                 <p:cNvPr id="124" name="ZoneTexte 123"/>
@@ -8672,6 +11989,7 @@
                 </a:bodyPr>
                 <a:lstStyle/>
                 <a:p>
+                  <a:pPr/>
                   <a14:m>
                     <m:oMathPara xmlns:m="http://schemas.openxmlformats.org/officeDocument/2006/math">
                       <m:oMathParaPr>
@@ -8711,7 +12029,7 @@
               </p:txBody>
             </p:sp>
           </mc:Choice>
-          <mc:Fallback>
+          <mc:Fallback xmlns="">
             <p:sp>
               <p:nvSpPr>
                 <p:cNvPr id="124" name="ZoneTexte 123"/>
@@ -8754,7 +12072,7 @@
     </p:spTree>
     <p:extLst>
       <p:ext uri="{BB962C8B-B14F-4D97-AF65-F5344CB8AC3E}">
-        <p14:creationId xmlns:p14="http://schemas.microsoft.com/office/powerpoint/2010/main" val="3764664977"/>
+        <p14:creationId xmlns:p14="http://schemas.microsoft.com/office/powerpoint/2010/main" val="679420431"/>
       </p:ext>
     </p:extLst>
   </p:cSld>

--- a/Portail_ABB/EtudeTheorique/images/Figures.pptx
+++ b/Portail_ABB/EtudeTheorique/images/Figures.pptx
@@ -290,7 +290,7 @@
           <a:p>
             <a:fld id="{AA309A6D-C09C-4548-B29A-6CF363A7E532}" type="datetimeFigureOut">
               <a:rPr lang="fr-FR" smtClean="0"/>
-              <a:t>17/03/2016</a:t>
+              <a:t>18/03/2016</a:t>
             </a:fld>
             <a:endParaRPr lang="fr-BE"/>
           </a:p>
@@ -455,7 +455,7 @@
           <a:p>
             <a:fld id="{AA309A6D-C09C-4548-B29A-6CF363A7E532}" type="datetimeFigureOut">
               <a:rPr lang="fr-FR" smtClean="0"/>
-              <a:t>17/03/2016</a:t>
+              <a:t>18/03/2016</a:t>
             </a:fld>
             <a:endParaRPr lang="fr-BE"/>
           </a:p>
@@ -630,7 +630,7 @@
           <a:p>
             <a:fld id="{AA309A6D-C09C-4548-B29A-6CF363A7E532}" type="datetimeFigureOut">
               <a:rPr lang="fr-FR" smtClean="0"/>
-              <a:t>17/03/2016</a:t>
+              <a:t>18/03/2016</a:t>
             </a:fld>
             <a:endParaRPr lang="fr-BE"/>
           </a:p>
@@ -795,7 +795,7 @@
           <a:p>
             <a:fld id="{AA309A6D-C09C-4548-B29A-6CF363A7E532}" type="datetimeFigureOut">
               <a:rPr lang="fr-FR" smtClean="0"/>
-              <a:t>17/03/2016</a:t>
+              <a:t>18/03/2016</a:t>
             </a:fld>
             <a:endParaRPr lang="fr-BE"/>
           </a:p>
@@ -1036,7 +1036,7 @@
           <a:p>
             <a:fld id="{AA309A6D-C09C-4548-B29A-6CF363A7E532}" type="datetimeFigureOut">
               <a:rPr lang="fr-FR" smtClean="0"/>
-              <a:t>17/03/2016</a:t>
+              <a:t>18/03/2016</a:t>
             </a:fld>
             <a:endParaRPr lang="fr-BE"/>
           </a:p>
@@ -1319,7 +1319,7 @@
           <a:p>
             <a:fld id="{AA309A6D-C09C-4548-B29A-6CF363A7E532}" type="datetimeFigureOut">
               <a:rPr lang="fr-FR" smtClean="0"/>
-              <a:t>17/03/2016</a:t>
+              <a:t>18/03/2016</a:t>
             </a:fld>
             <a:endParaRPr lang="fr-BE"/>
           </a:p>
@@ -1736,7 +1736,7 @@
           <a:p>
             <a:fld id="{AA309A6D-C09C-4548-B29A-6CF363A7E532}" type="datetimeFigureOut">
               <a:rPr lang="fr-FR" smtClean="0"/>
-              <a:t>17/03/2016</a:t>
+              <a:t>18/03/2016</a:t>
             </a:fld>
             <a:endParaRPr lang="fr-BE"/>
           </a:p>
@@ -1849,7 +1849,7 @@
           <a:p>
             <a:fld id="{AA309A6D-C09C-4548-B29A-6CF363A7E532}" type="datetimeFigureOut">
               <a:rPr lang="fr-FR" smtClean="0"/>
-              <a:t>17/03/2016</a:t>
+              <a:t>18/03/2016</a:t>
             </a:fld>
             <a:endParaRPr lang="fr-BE"/>
           </a:p>
@@ -1939,7 +1939,7 @@
           <a:p>
             <a:fld id="{AA309A6D-C09C-4548-B29A-6CF363A7E532}" type="datetimeFigureOut">
               <a:rPr lang="fr-FR" smtClean="0"/>
-              <a:t>17/03/2016</a:t>
+              <a:t>18/03/2016</a:t>
             </a:fld>
             <a:endParaRPr lang="fr-BE"/>
           </a:p>
@@ -2211,7 +2211,7 @@
           <a:p>
             <a:fld id="{AA309A6D-C09C-4548-B29A-6CF363A7E532}" type="datetimeFigureOut">
               <a:rPr lang="fr-FR" smtClean="0"/>
-              <a:t>17/03/2016</a:t>
+              <a:t>18/03/2016</a:t>
             </a:fld>
             <a:endParaRPr lang="fr-BE"/>
           </a:p>
@@ -2459,7 +2459,7 @@
           <a:p>
             <a:fld id="{AA309A6D-C09C-4548-B29A-6CF363A7E532}" type="datetimeFigureOut">
               <a:rPr lang="fr-FR" smtClean="0"/>
-              <a:t>17/03/2016</a:t>
+              <a:t>18/03/2016</a:t>
             </a:fld>
             <a:endParaRPr lang="fr-BE"/>
           </a:p>
@@ -2667,7 +2667,7 @@
           <a:p>
             <a:fld id="{AA309A6D-C09C-4548-B29A-6CF363A7E532}" type="datetimeFigureOut">
               <a:rPr lang="fr-FR" smtClean="0"/>
-              <a:t>17/03/2016</a:t>
+              <a:t>18/03/2016</a:t>
             </a:fld>
             <a:endParaRPr lang="fr-BE"/>
           </a:p>
@@ -3080,8 +3080,8 @@
         </p:nvCxnSpPr>
         <p:spPr>
           <a:xfrm flipV="1">
-            <a:off x="5280438" y="4148507"/>
-            <a:ext cx="728748" cy="2152171"/>
+            <a:off x="5280438" y="4585874"/>
+            <a:ext cx="702998" cy="1714805"/>
           </a:xfrm>
           <a:prstGeom prst="line">
             <a:avLst/>
@@ -3528,7 +3528,7 @@
         </p:nvSpPr>
         <p:spPr>
           <a:xfrm>
-            <a:off x="5857544" y="4005080"/>
+            <a:off x="5848019" y="4455689"/>
             <a:ext cx="288000" cy="288000"/>
           </a:xfrm>
           <a:prstGeom prst="ellipse">
@@ -3654,8 +3654,8 @@
           </p:sp>
         </mc:Fallback>
       </mc:AlternateContent>
-      <mc:AlternateContent xmlns:mc="http://schemas.openxmlformats.org/markup-compatibility/2006" xmlns:a14="http://schemas.microsoft.com/office/drawing/2010/main">
-        <mc:Choice Requires="a14">
+      <mc:AlternateContent xmlns:mc="http://schemas.openxmlformats.org/markup-compatibility/2006">
+        <mc:Choice xmlns:a14="http://schemas.microsoft.com/office/drawing/2010/main" Requires="a14">
           <p:sp>
             <p:nvSpPr>
               <p:cNvPr id="39" name="ZoneTexte 38"/>
@@ -3664,7 +3664,7 @@
             </p:nvSpPr>
             <p:spPr>
               <a:xfrm>
-                <a:off x="6047137" y="3793127"/>
+                <a:off x="6047137" y="4234211"/>
                 <a:ext cx="319190" cy="276999"/>
               </a:xfrm>
               <a:prstGeom prst="rect">
@@ -3699,7 +3699,7 @@
             </p:txBody>
           </p:sp>
         </mc:Choice>
-        <mc:Fallback xmlns="">
+        <mc:Fallback>
           <p:sp>
             <p:nvSpPr>
               <p:cNvPr id="39" name="ZoneTexte 38"/>
@@ -3710,7 +3710,7 @@
             </p:nvSpPr>
             <p:spPr>
               <a:xfrm>
-                <a:off x="6047137" y="3793127"/>
+                <a:off x="6047137" y="4234211"/>
                 <a:ext cx="319190" cy="276999"/>
               </a:xfrm>
               <a:prstGeom prst="rect">
@@ -4296,7 +4296,7 @@
         </p:nvGrpSpPr>
         <p:grpSpPr>
           <a:xfrm>
-            <a:off x="5839436" y="3174952"/>
+            <a:off x="5820386" y="3616036"/>
             <a:ext cx="1221731" cy="1101206"/>
             <a:chOff x="2581030" y="2174667"/>
             <a:chExt cx="1221731" cy="1101206"/>
@@ -4688,7 +4688,7 @@
         </p:nvSpPr>
         <p:spPr>
           <a:xfrm>
-            <a:off x="5695436" y="5247589"/>
+            <a:off x="5510572" y="5800951"/>
             <a:ext cx="288000" cy="288000"/>
           </a:xfrm>
           <a:prstGeom prst="ellipse">
@@ -4742,8 +4742,8 @@
           <p:nvPr/>
         </p:nvGrpSpPr>
         <p:grpSpPr>
-          <a:xfrm rot="6533009">
-            <a:off x="5873736" y="4246676"/>
+          <a:xfrm rot="6759721">
+            <a:off x="5816586" y="4706810"/>
             <a:ext cx="729461" cy="731875"/>
             <a:chOff x="3317032" y="2996951"/>
             <a:chExt cx="729461" cy="731875"/>
@@ -4937,8 +4937,8 @@
           </p:sp>
         </mc:Fallback>
       </mc:AlternateContent>
-      <mc:AlternateContent xmlns:mc="http://schemas.openxmlformats.org/markup-compatibility/2006" xmlns:a14="http://schemas.microsoft.com/office/drawing/2010/main">
-        <mc:Choice Requires="a14">
+      <mc:AlternateContent xmlns:mc="http://schemas.openxmlformats.org/markup-compatibility/2006">
+        <mc:Choice xmlns:a14="http://schemas.microsoft.com/office/drawing/2010/main" Requires="a14">
           <p:sp>
             <p:nvSpPr>
               <p:cNvPr id="71" name="ZoneTexte 70"/>
@@ -4947,7 +4947,7 @@
             </p:nvSpPr>
             <p:spPr>
               <a:xfrm>
-                <a:off x="6723126" y="4293080"/>
+                <a:off x="6723126" y="4734164"/>
                 <a:ext cx="341568" cy="246221"/>
               </a:xfrm>
               <a:prstGeom prst="rect">
@@ -5013,7 +5013,7 @@
             </p:txBody>
           </p:sp>
         </mc:Choice>
-        <mc:Fallback xmlns="">
+        <mc:Fallback>
           <p:sp>
             <p:nvSpPr>
               <p:cNvPr id="71" name="ZoneTexte 70"/>
@@ -5024,7 +5024,7 @@
             </p:nvSpPr>
             <p:spPr>
               <a:xfrm>
-                <a:off x="6723126" y="4293080"/>
+                <a:off x="6723126" y="4734164"/>
                 <a:ext cx="341568" cy="246221"/>
               </a:xfrm>
               <a:prstGeom prst="rect">

--- a/Portail_ABB/EtudeTheorique/images/Figures.pptx
+++ b/Portail_ABB/EtudeTheorique/images/Figures.pptx
@@ -290,7 +290,7 @@
           <a:p>
             <a:fld id="{AA309A6D-C09C-4548-B29A-6CF363A7E532}" type="datetimeFigureOut">
               <a:rPr lang="fr-FR" smtClean="0"/>
-              <a:t>18/03/2016</a:t>
+              <a:t>19/03/2016</a:t>
             </a:fld>
             <a:endParaRPr lang="fr-BE"/>
           </a:p>
@@ -455,7 +455,7 @@
           <a:p>
             <a:fld id="{AA309A6D-C09C-4548-B29A-6CF363A7E532}" type="datetimeFigureOut">
               <a:rPr lang="fr-FR" smtClean="0"/>
-              <a:t>18/03/2016</a:t>
+              <a:t>19/03/2016</a:t>
             </a:fld>
             <a:endParaRPr lang="fr-BE"/>
           </a:p>
@@ -630,7 +630,7 @@
           <a:p>
             <a:fld id="{AA309A6D-C09C-4548-B29A-6CF363A7E532}" type="datetimeFigureOut">
               <a:rPr lang="fr-FR" smtClean="0"/>
-              <a:t>18/03/2016</a:t>
+              <a:t>19/03/2016</a:t>
             </a:fld>
             <a:endParaRPr lang="fr-BE"/>
           </a:p>
@@ -795,7 +795,7 @@
           <a:p>
             <a:fld id="{AA309A6D-C09C-4548-B29A-6CF363A7E532}" type="datetimeFigureOut">
               <a:rPr lang="fr-FR" smtClean="0"/>
-              <a:t>18/03/2016</a:t>
+              <a:t>19/03/2016</a:t>
             </a:fld>
             <a:endParaRPr lang="fr-BE"/>
           </a:p>
@@ -1036,7 +1036,7 @@
           <a:p>
             <a:fld id="{AA309A6D-C09C-4548-B29A-6CF363A7E532}" type="datetimeFigureOut">
               <a:rPr lang="fr-FR" smtClean="0"/>
-              <a:t>18/03/2016</a:t>
+              <a:t>19/03/2016</a:t>
             </a:fld>
             <a:endParaRPr lang="fr-BE"/>
           </a:p>
@@ -1319,7 +1319,7 @@
           <a:p>
             <a:fld id="{AA309A6D-C09C-4548-B29A-6CF363A7E532}" type="datetimeFigureOut">
               <a:rPr lang="fr-FR" smtClean="0"/>
-              <a:t>18/03/2016</a:t>
+              <a:t>19/03/2016</a:t>
             </a:fld>
             <a:endParaRPr lang="fr-BE"/>
           </a:p>
@@ -1736,7 +1736,7 @@
           <a:p>
             <a:fld id="{AA309A6D-C09C-4548-B29A-6CF363A7E532}" type="datetimeFigureOut">
               <a:rPr lang="fr-FR" smtClean="0"/>
-              <a:t>18/03/2016</a:t>
+              <a:t>19/03/2016</a:t>
             </a:fld>
             <a:endParaRPr lang="fr-BE"/>
           </a:p>
@@ -1849,7 +1849,7 @@
           <a:p>
             <a:fld id="{AA309A6D-C09C-4548-B29A-6CF363A7E532}" type="datetimeFigureOut">
               <a:rPr lang="fr-FR" smtClean="0"/>
-              <a:t>18/03/2016</a:t>
+              <a:t>19/03/2016</a:t>
             </a:fld>
             <a:endParaRPr lang="fr-BE"/>
           </a:p>
@@ -1939,7 +1939,7 @@
           <a:p>
             <a:fld id="{AA309A6D-C09C-4548-B29A-6CF363A7E532}" type="datetimeFigureOut">
               <a:rPr lang="fr-FR" smtClean="0"/>
-              <a:t>18/03/2016</a:t>
+              <a:t>19/03/2016</a:t>
             </a:fld>
             <a:endParaRPr lang="fr-BE"/>
           </a:p>
@@ -2211,7 +2211,7 @@
           <a:p>
             <a:fld id="{AA309A6D-C09C-4548-B29A-6CF363A7E532}" type="datetimeFigureOut">
               <a:rPr lang="fr-FR" smtClean="0"/>
-              <a:t>18/03/2016</a:t>
+              <a:t>19/03/2016</a:t>
             </a:fld>
             <a:endParaRPr lang="fr-BE"/>
           </a:p>
@@ -2459,7 +2459,7 @@
           <a:p>
             <a:fld id="{AA309A6D-C09C-4548-B29A-6CF363A7E532}" type="datetimeFigureOut">
               <a:rPr lang="fr-FR" smtClean="0"/>
-              <a:t>18/03/2016</a:t>
+              <a:t>19/03/2016</a:t>
             </a:fld>
             <a:endParaRPr lang="fr-BE"/>
           </a:p>
@@ -2667,7 +2667,7 @@
           <a:p>
             <a:fld id="{AA309A6D-C09C-4548-B29A-6CF363A7E532}" type="datetimeFigureOut">
               <a:rPr lang="fr-FR" smtClean="0"/>
-              <a:t>18/03/2016</a:t>
+              <a:t>19/03/2016</a:t>
             </a:fld>
             <a:endParaRPr lang="fr-BE"/>
           </a:p>
@@ -3115,7 +3115,7 @@
         </p:nvSpPr>
         <p:spPr>
           <a:xfrm>
-            <a:off x="1907704" y="4158572"/>
+            <a:off x="1907704" y="4518612"/>
             <a:ext cx="189800" cy="854604"/>
           </a:xfrm>
           <a:custGeom>
@@ -3249,8 +3249,8 @@
         </p:nvCxnSpPr>
         <p:spPr>
           <a:xfrm>
-            <a:off x="2097504" y="3845150"/>
-            <a:ext cx="0" cy="1744090"/>
+            <a:off x="2097504" y="4111850"/>
+            <a:ext cx="0" cy="1477390"/>
           </a:xfrm>
           <a:prstGeom prst="line">
             <a:avLst/>
@@ -3371,7 +3371,7 @@
         </p:nvCxnSpPr>
         <p:spPr>
           <a:xfrm flipH="1">
-            <a:off x="2104845" y="3845151"/>
+            <a:off x="2097504" y="4137476"/>
             <a:ext cx="1011785" cy="0"/>
           </a:xfrm>
           <a:prstGeom prst="line">
@@ -3494,7 +3494,7 @@
         <p:spPr>
           <a:xfrm>
             <a:off x="3270486" y="4149080"/>
-            <a:ext cx="4247418" cy="0"/>
+            <a:ext cx="5621994" cy="0"/>
           </a:xfrm>
           <a:prstGeom prst="line">
             <a:avLst/>
@@ -3654,8 +3654,8 @@
           </p:sp>
         </mc:Fallback>
       </mc:AlternateContent>
-      <mc:AlternateContent xmlns:mc="http://schemas.openxmlformats.org/markup-compatibility/2006">
-        <mc:Choice xmlns:a14="http://schemas.microsoft.com/office/drawing/2010/main" Requires="a14">
+      <mc:AlternateContent xmlns:mc="http://schemas.openxmlformats.org/markup-compatibility/2006" xmlns:a14="http://schemas.microsoft.com/office/drawing/2010/main">
+        <mc:Choice Requires="a14">
           <p:sp>
             <p:nvSpPr>
               <p:cNvPr id="39" name="ZoneTexte 38"/>
@@ -3699,7 +3699,7 @@
             </p:txBody>
           </p:sp>
         </mc:Choice>
-        <mc:Fallback>
+        <mc:Fallback xmlns="">
           <p:sp>
             <p:nvSpPr>
               <p:cNvPr id="39" name="ZoneTexte 38"/>
@@ -4937,8 +4937,8 @@
           </p:sp>
         </mc:Fallback>
       </mc:AlternateContent>
-      <mc:AlternateContent xmlns:mc="http://schemas.openxmlformats.org/markup-compatibility/2006">
-        <mc:Choice xmlns:a14="http://schemas.microsoft.com/office/drawing/2010/main" Requires="a14">
+      <mc:AlternateContent xmlns:mc="http://schemas.openxmlformats.org/markup-compatibility/2006" xmlns:a14="http://schemas.microsoft.com/office/drawing/2010/main">
+        <mc:Choice Requires="a14">
           <p:sp>
             <p:nvSpPr>
               <p:cNvPr id="71" name="ZoneTexte 70"/>
@@ -5013,7 +5013,7 @@
             </p:txBody>
           </p:sp>
         </mc:Choice>
-        <mc:Fallback>
+        <mc:Fallback xmlns="">
           <p:sp>
             <p:nvSpPr>
               <p:cNvPr id="71" name="ZoneTexte 70"/>
@@ -5471,6 +5471,276 @@
                 <a:blip r:embed="rId13"/>
                 <a:stretch>
                   <a:fillRect/>
+                </a:stretch>
+              </a:blipFill>
+            </p:spPr>
+            <p:txBody>
+              <a:bodyPr/>
+              <a:lstStyle/>
+              <a:p>
+                <a:r>
+                  <a:rPr lang="fr-FR">
+                    <a:noFill/>
+                  </a:rPr>
+                  <a:t> </a:t>
+                </a:r>
+              </a:p>
+            </p:txBody>
+          </p:sp>
+        </mc:Fallback>
+      </mc:AlternateContent>
+      <mc:AlternateContent xmlns:mc="http://schemas.openxmlformats.org/markup-compatibility/2006">
+        <mc:Choice xmlns:a14="http://schemas.microsoft.com/office/drawing/2010/main" Requires="a14">
+          <p:sp>
+            <p:nvSpPr>
+              <p:cNvPr id="48" name="ZoneTexte 47"/>
+              <p:cNvSpPr txBox="1"/>
+              <p:nvPr/>
+            </p:nvSpPr>
+            <p:spPr>
+              <a:xfrm>
+                <a:off x="5417693" y="3369815"/>
+                <a:ext cx="285078" cy="246221"/>
+              </a:xfrm>
+              <a:prstGeom prst="rect">
+                <a:avLst/>
+              </a:prstGeom>
+              <a:noFill/>
+            </p:spPr>
+            <p:txBody>
+              <a:bodyPr wrap="none" rtlCol="0">
+                <a:spAutoFit/>
+              </a:bodyPr>
+              <a:lstStyle/>
+              <a:p>
+                <a:pPr/>
+                <a14:m>
+                  <m:oMathPara xmlns:m="http://schemas.openxmlformats.org/officeDocument/2006/math">
+                    <m:oMathParaPr>
+                      <m:jc m:val="centerGroup"/>
+                    </m:oMathParaPr>
+                    <m:oMath xmlns:m="http://schemas.openxmlformats.org/officeDocument/2006/math">
+                      <m:r>
+                        <a:rPr lang="fr-FR" sz="1000" i="1" smtClean="0">
+                          <a:latin typeface="Cambria Math"/>
+                        </a:rPr>
+                        <m:t>𝐿</m:t>
+                      </m:r>
+                    </m:oMath>
+                  </m:oMathPara>
+                </a14:m>
+                <a:endParaRPr lang="fr-FR" sz="1000" dirty="0"/>
+              </a:p>
+            </p:txBody>
+          </p:sp>
+        </mc:Choice>
+        <mc:Fallback>
+          <p:sp>
+            <p:nvSpPr>
+              <p:cNvPr id="48" name="ZoneTexte 47"/>
+              <p:cNvSpPr txBox="1">
+                <a:spLocks noRot="1" noChangeAspect="1" noMove="1" noResize="1" noEditPoints="1" noAdjustHandles="1" noChangeArrowheads="1" noChangeShapeType="1" noTextEdit="1"/>
+              </p:cNvSpPr>
+              <p:nvPr/>
+            </p:nvSpPr>
+            <p:spPr>
+              <a:xfrm>
+                <a:off x="5417693" y="3369815"/>
+                <a:ext cx="285078" cy="246221"/>
+              </a:xfrm>
+              <a:prstGeom prst="rect">
+                <a:avLst/>
+              </a:prstGeom>
+              <a:blipFill rotWithShape="1">
+                <a:blip r:embed="rId14"/>
+                <a:stretch>
+                  <a:fillRect/>
+                </a:stretch>
+              </a:blipFill>
+            </p:spPr>
+            <p:txBody>
+              <a:bodyPr/>
+              <a:lstStyle/>
+              <a:p>
+                <a:r>
+                  <a:rPr lang="fr-FR">
+                    <a:noFill/>
+                  </a:rPr>
+                  <a:t> </a:t>
+                </a:r>
+              </a:p>
+            </p:txBody>
+          </p:sp>
+        </mc:Fallback>
+      </mc:AlternateContent>
+      <p:sp>
+        <p:nvSpPr>
+          <p:cNvPr id="8" name="Flèche droite 7"/>
+          <p:cNvSpPr/>
+          <p:nvPr/>
+        </p:nvSpPr>
+        <p:spPr>
+          <a:xfrm rot="5400000">
+            <a:off x="8520653" y="3639760"/>
+            <a:ext cx="743653" cy="288032"/>
+          </a:xfrm>
+          <a:prstGeom prst="rightArrow">
+            <a:avLst/>
+          </a:prstGeom>
+          <a:solidFill>
+            <a:schemeClr val="accent2">
+              <a:lumMod val="20000"/>
+              <a:lumOff val="80000"/>
+            </a:schemeClr>
+          </a:solidFill>
+          <a:ln w="12700">
+            <a:solidFill>
+              <a:schemeClr val="accent2">
+                <a:lumMod val="50000"/>
+              </a:schemeClr>
+            </a:solidFill>
+          </a:ln>
+        </p:spPr>
+        <p:style>
+          <a:lnRef idx="2">
+            <a:schemeClr val="accent1">
+              <a:shade val="50000"/>
+            </a:schemeClr>
+          </a:lnRef>
+          <a:fillRef idx="1">
+            <a:schemeClr val="accent1"/>
+          </a:fillRef>
+          <a:effectRef idx="0">
+            <a:schemeClr val="accent1"/>
+          </a:effectRef>
+          <a:fontRef idx="minor">
+            <a:schemeClr val="lt1"/>
+          </a:fontRef>
+        </p:style>
+        <p:txBody>
+          <a:bodyPr rtlCol="0" anchor="ctr"/>
+          <a:lstStyle/>
+          <a:p>
+            <a:pPr algn="ctr"/>
+            <a:endParaRPr lang="fr-FR"/>
+          </a:p>
+        </p:txBody>
+      </p:sp>
+      <p:cxnSp>
+        <p:nvCxnSpPr>
+          <p:cNvPr id="47" name="Connecteur droit 46"/>
+          <p:cNvCxnSpPr/>
+          <p:nvPr/>
+        </p:nvCxnSpPr>
+        <p:spPr>
+          <a:xfrm>
+            <a:off x="3109289" y="3616036"/>
+            <a:ext cx="5783191" cy="0"/>
+          </a:xfrm>
+          <a:prstGeom prst="line">
+            <a:avLst/>
+          </a:prstGeom>
+          <a:ln w="19050">
+            <a:solidFill>
+              <a:schemeClr val="tx1"/>
+            </a:solidFill>
+            <a:headEnd type="stealth" w="med" len="lg"/>
+            <a:tailEnd type="stealth" w="med" len="lg"/>
+          </a:ln>
+        </p:spPr>
+        <p:style>
+          <a:lnRef idx="1">
+            <a:schemeClr val="accent1"/>
+          </a:lnRef>
+          <a:fillRef idx="0">
+            <a:schemeClr val="accent1"/>
+          </a:fillRef>
+          <a:effectRef idx="0">
+            <a:schemeClr val="accent1"/>
+          </a:effectRef>
+          <a:fontRef idx="minor">
+            <a:schemeClr val="tx1"/>
+          </a:fontRef>
+        </p:style>
+      </p:cxnSp>
+      <mc:AlternateContent xmlns:mc="http://schemas.openxmlformats.org/markup-compatibility/2006">
+        <mc:Choice xmlns:a14="http://schemas.microsoft.com/office/drawing/2010/main" Requires="a14">
+          <p:sp>
+            <p:nvSpPr>
+              <p:cNvPr id="53" name="ZoneTexte 52"/>
+              <p:cNvSpPr txBox="1"/>
+              <p:nvPr/>
+            </p:nvSpPr>
+            <p:spPr>
+              <a:xfrm>
+                <a:off x="8538125" y="3296559"/>
+                <a:ext cx="297068" cy="264881"/>
+              </a:xfrm>
+              <a:prstGeom prst="rect">
+                <a:avLst/>
+              </a:prstGeom>
+              <a:noFill/>
+            </p:spPr>
+            <p:txBody>
+              <a:bodyPr wrap="none" rtlCol="0">
+                <a:spAutoFit/>
+              </a:bodyPr>
+              <a:lstStyle/>
+              <a:p>
+                <a:pPr/>
+                <a14:m>
+                  <m:oMathPara xmlns:m="http://schemas.openxmlformats.org/officeDocument/2006/math">
+                    <m:oMathParaPr>
+                      <m:jc m:val="centerGroup"/>
+                    </m:oMathParaPr>
+                    <m:oMath xmlns:m="http://schemas.openxmlformats.org/officeDocument/2006/math">
+                      <m:acc>
+                        <m:accPr>
+                          <m:chr m:val="⃗"/>
+                          <m:ctrlPr>
+                            <a:rPr lang="fr-FR" sz="1000" b="0" i="1" smtClean="0">
+                              <a:latin typeface="Cambria Math"/>
+                            </a:rPr>
+                          </m:ctrlPr>
+                        </m:accPr>
+                        <m:e>
+                          <m:r>
+                            <a:rPr lang="fr-FR" sz="1000" i="1">
+                              <a:latin typeface="Cambria Math"/>
+                            </a:rPr>
+                            <m:t>𝐹</m:t>
+                          </m:r>
+                        </m:e>
+                      </m:acc>
+                    </m:oMath>
+                  </m:oMathPara>
+                </a14:m>
+                <a:endParaRPr lang="fr-FR" sz="1000" dirty="0"/>
+              </a:p>
+            </p:txBody>
+          </p:sp>
+        </mc:Choice>
+        <mc:Fallback>
+          <p:sp>
+            <p:nvSpPr>
+              <p:cNvPr id="53" name="ZoneTexte 52"/>
+              <p:cNvSpPr txBox="1">
+                <a:spLocks noRot="1" noChangeAspect="1" noMove="1" noResize="1" noEditPoints="1" noAdjustHandles="1" noChangeArrowheads="1" noChangeShapeType="1" noTextEdit="1"/>
+              </p:cNvSpPr>
+              <p:nvPr/>
+            </p:nvSpPr>
+            <p:spPr>
+              <a:xfrm>
+                <a:off x="8538125" y="3296559"/>
+                <a:ext cx="297068" cy="264881"/>
+              </a:xfrm>
+              <a:prstGeom prst="rect">
+                <a:avLst/>
+              </a:prstGeom>
+              <a:blipFill rotWithShape="1">
+                <a:blip r:embed="rId15"/>
+                <a:stretch>
+                  <a:fillRect t="-6977" r="-4167"/>
                 </a:stretch>
               </a:blipFill>
             </p:spPr>
